--- a/seminar/Seminar20230502.pptx
+++ b/seminar/Seminar20230502.pptx
@@ -5,27 +5,24 @@
     <p:sldMasterId id="2147483648" r:id="rId1"/>
   </p:sldMasterIdLst>
   <p:notesMasterIdLst>
-    <p:notesMasterId r:id="rId15"/>
+    <p:notesMasterId r:id="rId12"/>
   </p:notesMasterIdLst>
   <p:sldIdLst>
     <p:sldId id="1161" r:id="rId2"/>
     <p:sldId id="1129" r:id="rId3"/>
     <p:sldId id="1175" r:id="rId4"/>
-    <p:sldId id="1159" r:id="rId5"/>
-    <p:sldId id="1167" r:id="rId6"/>
-    <p:sldId id="1168" r:id="rId7"/>
-    <p:sldId id="1169" r:id="rId8"/>
-    <p:sldId id="1170" r:id="rId9"/>
-    <p:sldId id="1171" r:id="rId10"/>
-    <p:sldId id="1174" r:id="rId11"/>
-    <p:sldId id="1176" r:id="rId12"/>
-    <p:sldId id="1173" r:id="rId13"/>
-    <p:sldId id="1120" r:id="rId14"/>
+    <p:sldId id="1168" r:id="rId5"/>
+    <p:sldId id="1169" r:id="rId6"/>
+    <p:sldId id="1170" r:id="rId7"/>
+    <p:sldId id="1171" r:id="rId8"/>
+    <p:sldId id="1174" r:id="rId9"/>
+    <p:sldId id="1176" r:id="rId10"/>
+    <p:sldId id="1120" r:id="rId11"/>
   </p:sldIdLst>
   <p:sldSz cx="9144000" cy="6858000" type="screen4x3"/>
   <p:notesSz cx="6797675" cy="9928225"/>
   <p:custDataLst>
-    <p:tags r:id="rId16"/>
+    <p:tags r:id="rId13"/>
   </p:custDataLst>
   <p:defaultTextStyle>
     <a:defPPr>
@@ -236,7 +233,7 @@
           <a:p>
             <a:fld id="{1FE3E40D-13DD-4E12-82A9-B29F89B7AF4B}" type="datetimeFigureOut">
               <a:rPr lang="ko-KR" altLang="en-US" smtClean="0"/>
-              <a:t>2023. 5. 2.</a:t>
+              <a:t>2023. 5. 23.</a:t>
             </a:fld>
             <a:endParaRPr lang="ko-KR" altLang="en-US"/>
           </a:p>
@@ -587,258 +584,6 @@
 </p:notes>
 </file>
 
-<file path=ppt/notesSlides/notesSlide10.xml><?xml version="1.0" encoding="utf-8"?>
-<p:notes xmlns:a="http://schemas.openxmlformats.org/drawingml/2006/main" xmlns:r="http://schemas.openxmlformats.org/officeDocument/2006/relationships" xmlns:p="http://schemas.openxmlformats.org/presentationml/2006/main">
-  <p:cSld>
-    <p:spTree>
-      <p:nvGrpSpPr>
-        <p:cNvPr id="1" name=""/>
-        <p:cNvGrpSpPr/>
-        <p:nvPr/>
-      </p:nvGrpSpPr>
-      <p:grpSpPr>
-        <a:xfrm>
-          <a:off x="0" y="0"/>
-          <a:ext cx="0" cy="0"/>
-          <a:chOff x="0" y="0"/>
-          <a:chExt cx="0" cy="0"/>
-        </a:xfrm>
-      </p:grpSpPr>
-      <p:sp>
-        <p:nvSpPr>
-          <p:cNvPr id="2" name="슬라이드 이미지 개체 틀 1"/>
-          <p:cNvSpPr>
-            <a:spLocks noGrp="1" noRot="1" noChangeAspect="1"/>
-          </p:cNvSpPr>
-          <p:nvPr>
-            <p:ph type="sldImg"/>
-          </p:nvPr>
-        </p:nvSpPr>
-        <p:spPr/>
-      </p:sp>
-      <p:sp>
-        <p:nvSpPr>
-          <p:cNvPr id="3" name="슬라이드 노트 개체 틀 2"/>
-          <p:cNvSpPr>
-            <a:spLocks noGrp="1"/>
-          </p:cNvSpPr>
-          <p:nvPr>
-            <p:ph type="body" idx="1"/>
-          </p:nvPr>
-        </p:nvSpPr>
-        <p:spPr/>
-        <p:txBody>
-          <a:bodyPr/>
-          <a:lstStyle/>
-          <a:p>
-            <a:endParaRPr lang="ko-KR" altLang="en-US"/>
-          </a:p>
-        </p:txBody>
-      </p:sp>
-      <p:sp>
-        <p:nvSpPr>
-          <p:cNvPr id="4" name="슬라이드 번호 개체 틀 3"/>
-          <p:cNvSpPr>
-            <a:spLocks noGrp="1"/>
-          </p:cNvSpPr>
-          <p:nvPr>
-            <p:ph type="sldNum" sz="quarter" idx="10"/>
-          </p:nvPr>
-        </p:nvSpPr>
-        <p:spPr/>
-        <p:txBody>
-          <a:bodyPr/>
-          <a:lstStyle/>
-          <a:p>
-            <a:fld id="{A2E5139B-30C0-4F18-A82F-E8543C952BC8}" type="slidenum">
-              <a:rPr lang="ko-KR" altLang="en-US" smtClean="0"/>
-              <a:t>10</a:t>
-            </a:fld>
-            <a:endParaRPr lang="ko-KR" altLang="en-US"/>
-          </a:p>
-        </p:txBody>
-      </p:sp>
-    </p:spTree>
-    <p:extLst>
-      <p:ext uri="{BB962C8B-B14F-4D97-AF65-F5344CB8AC3E}">
-        <p14:creationId xmlns:p14="http://schemas.microsoft.com/office/powerpoint/2010/main" val="819203917"/>
-      </p:ext>
-    </p:extLst>
-  </p:cSld>
-  <p:clrMapOvr>
-    <a:masterClrMapping/>
-  </p:clrMapOvr>
-</p:notes>
-</file>
-
-<file path=ppt/notesSlides/notesSlide11.xml><?xml version="1.0" encoding="utf-8"?>
-<p:notes xmlns:a="http://schemas.openxmlformats.org/drawingml/2006/main" xmlns:r="http://schemas.openxmlformats.org/officeDocument/2006/relationships" xmlns:p="http://schemas.openxmlformats.org/presentationml/2006/main">
-  <p:cSld>
-    <p:spTree>
-      <p:nvGrpSpPr>
-        <p:cNvPr id="1" name=""/>
-        <p:cNvGrpSpPr/>
-        <p:nvPr/>
-      </p:nvGrpSpPr>
-      <p:grpSpPr>
-        <a:xfrm>
-          <a:off x="0" y="0"/>
-          <a:ext cx="0" cy="0"/>
-          <a:chOff x="0" y="0"/>
-          <a:chExt cx="0" cy="0"/>
-        </a:xfrm>
-      </p:grpSpPr>
-      <p:sp>
-        <p:nvSpPr>
-          <p:cNvPr id="2" name="슬라이드 이미지 개체 틀 1"/>
-          <p:cNvSpPr>
-            <a:spLocks noGrp="1" noRot="1" noChangeAspect="1"/>
-          </p:cNvSpPr>
-          <p:nvPr>
-            <p:ph type="sldImg"/>
-          </p:nvPr>
-        </p:nvSpPr>
-        <p:spPr/>
-      </p:sp>
-      <p:sp>
-        <p:nvSpPr>
-          <p:cNvPr id="3" name="슬라이드 노트 개체 틀 2"/>
-          <p:cNvSpPr>
-            <a:spLocks noGrp="1"/>
-          </p:cNvSpPr>
-          <p:nvPr>
-            <p:ph type="body" idx="1"/>
-          </p:nvPr>
-        </p:nvSpPr>
-        <p:spPr/>
-        <p:txBody>
-          <a:bodyPr/>
-          <a:lstStyle/>
-          <a:p>
-            <a:endParaRPr lang="ko-KR" altLang="en-US"/>
-          </a:p>
-        </p:txBody>
-      </p:sp>
-      <p:sp>
-        <p:nvSpPr>
-          <p:cNvPr id="4" name="슬라이드 번호 개체 틀 3"/>
-          <p:cNvSpPr>
-            <a:spLocks noGrp="1"/>
-          </p:cNvSpPr>
-          <p:nvPr>
-            <p:ph type="sldNum" sz="quarter" idx="10"/>
-          </p:nvPr>
-        </p:nvSpPr>
-        <p:spPr/>
-        <p:txBody>
-          <a:bodyPr/>
-          <a:lstStyle/>
-          <a:p>
-            <a:fld id="{A2E5139B-30C0-4F18-A82F-E8543C952BC8}" type="slidenum">
-              <a:rPr lang="ko-KR" altLang="en-US" smtClean="0"/>
-              <a:t>11</a:t>
-            </a:fld>
-            <a:endParaRPr lang="ko-KR" altLang="en-US"/>
-          </a:p>
-        </p:txBody>
-      </p:sp>
-    </p:spTree>
-    <p:extLst>
-      <p:ext uri="{BB962C8B-B14F-4D97-AF65-F5344CB8AC3E}">
-        <p14:creationId xmlns:p14="http://schemas.microsoft.com/office/powerpoint/2010/main" val="900035347"/>
-      </p:ext>
-    </p:extLst>
-  </p:cSld>
-  <p:clrMapOvr>
-    <a:masterClrMapping/>
-  </p:clrMapOvr>
-</p:notes>
-</file>
-
-<file path=ppt/notesSlides/notesSlide12.xml><?xml version="1.0" encoding="utf-8"?>
-<p:notes xmlns:a="http://schemas.openxmlformats.org/drawingml/2006/main" xmlns:r="http://schemas.openxmlformats.org/officeDocument/2006/relationships" xmlns:p="http://schemas.openxmlformats.org/presentationml/2006/main">
-  <p:cSld>
-    <p:spTree>
-      <p:nvGrpSpPr>
-        <p:cNvPr id="1" name=""/>
-        <p:cNvGrpSpPr/>
-        <p:nvPr/>
-      </p:nvGrpSpPr>
-      <p:grpSpPr>
-        <a:xfrm>
-          <a:off x="0" y="0"/>
-          <a:ext cx="0" cy="0"/>
-          <a:chOff x="0" y="0"/>
-          <a:chExt cx="0" cy="0"/>
-        </a:xfrm>
-      </p:grpSpPr>
-      <p:sp>
-        <p:nvSpPr>
-          <p:cNvPr id="2" name="슬라이드 이미지 개체 틀 1"/>
-          <p:cNvSpPr>
-            <a:spLocks noGrp="1" noRot="1" noChangeAspect="1"/>
-          </p:cNvSpPr>
-          <p:nvPr>
-            <p:ph type="sldImg"/>
-          </p:nvPr>
-        </p:nvSpPr>
-        <p:spPr/>
-      </p:sp>
-      <p:sp>
-        <p:nvSpPr>
-          <p:cNvPr id="3" name="슬라이드 노트 개체 틀 2"/>
-          <p:cNvSpPr>
-            <a:spLocks noGrp="1"/>
-          </p:cNvSpPr>
-          <p:nvPr>
-            <p:ph type="body" idx="1"/>
-          </p:nvPr>
-        </p:nvSpPr>
-        <p:spPr/>
-        <p:txBody>
-          <a:bodyPr/>
-          <a:lstStyle/>
-          <a:p>
-            <a:endParaRPr lang="ko-KR" altLang="en-US"/>
-          </a:p>
-        </p:txBody>
-      </p:sp>
-      <p:sp>
-        <p:nvSpPr>
-          <p:cNvPr id="4" name="슬라이드 번호 개체 틀 3"/>
-          <p:cNvSpPr>
-            <a:spLocks noGrp="1"/>
-          </p:cNvSpPr>
-          <p:nvPr>
-            <p:ph type="sldNum" sz="quarter" idx="10"/>
-          </p:nvPr>
-        </p:nvSpPr>
-        <p:spPr/>
-        <p:txBody>
-          <a:bodyPr/>
-          <a:lstStyle/>
-          <a:p>
-            <a:fld id="{A2E5139B-30C0-4F18-A82F-E8543C952BC8}" type="slidenum">
-              <a:rPr lang="ko-KR" altLang="en-US" smtClean="0"/>
-              <a:t>12</a:t>
-            </a:fld>
-            <a:endParaRPr lang="ko-KR" altLang="en-US"/>
-          </a:p>
-        </p:txBody>
-      </p:sp>
-    </p:spTree>
-    <p:extLst>
-      <p:ext uri="{BB962C8B-B14F-4D97-AF65-F5344CB8AC3E}">
-        <p14:creationId xmlns:p14="http://schemas.microsoft.com/office/powerpoint/2010/main" val="3845733114"/>
-      </p:ext>
-    </p:extLst>
-  </p:cSld>
-  <p:clrMapOvr>
-    <a:masterClrMapping/>
-  </p:clrMapOvr>
-</p:notes>
-</file>
-
 <file path=ppt/notesSlides/notesSlide2.xml><?xml version="1.0" encoding="utf-8"?>
 <p:notes xmlns:a="http://schemas.openxmlformats.org/drawingml/2006/main" xmlns:r="http://schemas.openxmlformats.org/officeDocument/2006/relationships" xmlns:p="http://schemas.openxmlformats.org/presentationml/2006/main">
   <p:cSld>
@@ -997,7 +742,7 @@
     </p:spTree>
     <p:extLst>
       <p:ext uri="{BB962C8B-B14F-4D97-AF65-F5344CB8AC3E}">
-        <p14:creationId xmlns:p14="http://schemas.microsoft.com/office/powerpoint/2010/main" val="1452078284"/>
+        <p14:creationId xmlns:p14="http://schemas.microsoft.com/office/powerpoint/2010/main" val="2828200546"/>
       </p:ext>
     </p:extLst>
   </p:cSld>
@@ -1081,7 +826,7 @@
     </p:spTree>
     <p:extLst>
       <p:ext uri="{BB962C8B-B14F-4D97-AF65-F5344CB8AC3E}">
-        <p14:creationId xmlns:p14="http://schemas.microsoft.com/office/powerpoint/2010/main" val="3373401142"/>
+        <p14:creationId xmlns:p14="http://schemas.microsoft.com/office/powerpoint/2010/main" val="2607031489"/>
       </p:ext>
     </p:extLst>
   </p:cSld>
@@ -1165,7 +910,7 @@
     </p:spTree>
     <p:extLst>
       <p:ext uri="{BB962C8B-B14F-4D97-AF65-F5344CB8AC3E}">
-        <p14:creationId xmlns:p14="http://schemas.microsoft.com/office/powerpoint/2010/main" val="2828200546"/>
+        <p14:creationId xmlns:p14="http://schemas.microsoft.com/office/powerpoint/2010/main" val="923236615"/>
       </p:ext>
     </p:extLst>
   </p:cSld>
@@ -1249,7 +994,7 @@
     </p:spTree>
     <p:extLst>
       <p:ext uri="{BB962C8B-B14F-4D97-AF65-F5344CB8AC3E}">
-        <p14:creationId xmlns:p14="http://schemas.microsoft.com/office/powerpoint/2010/main" val="2607031489"/>
+        <p14:creationId xmlns:p14="http://schemas.microsoft.com/office/powerpoint/2010/main" val="1674295091"/>
       </p:ext>
     </p:extLst>
   </p:cSld>
@@ -1333,7 +1078,7 @@
     </p:spTree>
     <p:extLst>
       <p:ext uri="{BB962C8B-B14F-4D97-AF65-F5344CB8AC3E}">
-        <p14:creationId xmlns:p14="http://schemas.microsoft.com/office/powerpoint/2010/main" val="923236615"/>
+        <p14:creationId xmlns:p14="http://schemas.microsoft.com/office/powerpoint/2010/main" val="1680489132"/>
       </p:ext>
     </p:extLst>
   </p:cSld>
@@ -1417,7 +1162,7 @@
     </p:spTree>
     <p:extLst>
       <p:ext uri="{BB962C8B-B14F-4D97-AF65-F5344CB8AC3E}">
-        <p14:creationId xmlns:p14="http://schemas.microsoft.com/office/powerpoint/2010/main" val="1674295091"/>
+        <p14:creationId xmlns:p14="http://schemas.microsoft.com/office/powerpoint/2010/main" val="819203917"/>
       </p:ext>
     </p:extLst>
   </p:cSld>
@@ -1501,7 +1246,7 @@
     </p:spTree>
     <p:extLst>
       <p:ext uri="{BB962C8B-B14F-4D97-AF65-F5344CB8AC3E}">
-        <p14:creationId xmlns:p14="http://schemas.microsoft.com/office/powerpoint/2010/main" val="1680489132"/>
+        <p14:creationId xmlns:p14="http://schemas.microsoft.com/office/powerpoint/2010/main" val="3845733114"/>
       </p:ext>
     </p:extLst>
   </p:cSld>
@@ -2877,1266 +2622,6 @@
       </p:grpSpPr>
       <p:sp>
         <p:nvSpPr>
-          <p:cNvPr id="2" name="텍스트 개체 틀 1"/>
-          <p:cNvSpPr>
-            <a:spLocks noGrp="1"/>
-          </p:cNvSpPr>
-          <p:nvPr>
-            <p:ph type="body" sz="quarter" idx="11"/>
-          </p:nvPr>
-        </p:nvSpPr>
-        <p:spPr>
-          <a:xfrm>
-            <a:off x="35496" y="140947"/>
-            <a:ext cx="7992888" cy="263717"/>
-          </a:xfrm>
-        </p:spPr>
-        <p:txBody>
-          <a:bodyPr/>
-          <a:lstStyle/>
-          <a:p>
-            <a:r>
-              <a:rPr lang="en-US" dirty="0"/>
-              <a:t>XIOS Modification for Applying SZ Compression</a:t>
-            </a:r>
-            <a:endParaRPr lang="en-US" sz="1800" b="1" dirty="0"/>
-          </a:p>
-        </p:txBody>
-      </p:sp>
-      <p:sp>
-        <p:nvSpPr>
-          <p:cNvPr id="8" name="Rectangle 7">
-            <a:extLst>
-              <a:ext uri="{FF2B5EF4-FFF2-40B4-BE49-F238E27FC236}">
-                <a16:creationId xmlns:a16="http://schemas.microsoft.com/office/drawing/2014/main" id="{4D95F5D2-454D-D645-9C23-C9E200985B11}"/>
-              </a:ext>
-            </a:extLst>
-          </p:cNvPr>
-          <p:cNvSpPr txBox="1">
-            <a:spLocks/>
-          </p:cNvSpPr>
-          <p:nvPr/>
-        </p:nvSpPr>
-        <p:spPr>
-          <a:xfrm>
-            <a:off x="433673" y="1497496"/>
-            <a:ext cx="8276654" cy="1931504"/>
-          </a:xfrm>
-          <a:ln>
-            <a:solidFill>
-              <a:schemeClr val="tx1"/>
-            </a:solidFill>
-          </a:ln>
-          <a:effectLst>
-            <a:outerShdw blurRad="40000" dist="23000" dir="5400000" rotWithShape="0">
-              <a:srgbClr val="000000">
-                <a:alpha val="79000"/>
-              </a:srgbClr>
-            </a:outerShdw>
-          </a:effectLst>
-        </p:spPr>
-        <p:style>
-          <a:lnRef idx="1">
-            <a:schemeClr val="accent1"/>
-          </a:lnRef>
-          <a:fillRef idx="3">
-            <a:schemeClr val="accent1"/>
-          </a:fillRef>
-          <a:effectRef idx="2">
-            <a:schemeClr val="accent1"/>
-          </a:effectRef>
-          <a:fontRef idx="minor">
-            <a:schemeClr val="lt1"/>
-          </a:fontRef>
-        </p:style>
-        <p:txBody>
-          <a:bodyPr wrap="square"/>
-          <a:lstStyle>
-            <a:lvl1pPr marL="342900" indent="-342900" algn="l" defTabSz="914400" rtl="0" eaLnBrk="1" latinLnBrk="1" hangingPunct="1">
-              <a:spcBef>
-                <a:spcPct val="20000"/>
-              </a:spcBef>
-              <a:buFont typeface="Arial" panose="020B0604020202020204" pitchFamily="34" charset="0"/>
-              <a:buChar char="•"/>
-              <a:defRPr sz="3200" kern="1200">
-                <a:solidFill>
-                  <a:schemeClr val="tx1"/>
-                </a:solidFill>
-                <a:latin typeface="+mn-lt"/>
-                <a:ea typeface="+mn-ea"/>
-                <a:cs typeface="+mn-cs"/>
-              </a:defRPr>
-            </a:lvl1pPr>
-            <a:lvl2pPr marL="742950" indent="-285750" algn="l" defTabSz="914400" rtl="0" eaLnBrk="1" latinLnBrk="1" hangingPunct="1">
-              <a:spcBef>
-                <a:spcPct val="20000"/>
-              </a:spcBef>
-              <a:buFont typeface="Arial" panose="020B0604020202020204" pitchFamily="34" charset="0"/>
-              <a:buChar char="–"/>
-              <a:defRPr sz="2800" kern="1200">
-                <a:solidFill>
-                  <a:schemeClr val="tx1"/>
-                </a:solidFill>
-                <a:latin typeface="+mn-lt"/>
-                <a:ea typeface="+mn-ea"/>
-                <a:cs typeface="+mn-cs"/>
-              </a:defRPr>
-            </a:lvl2pPr>
-            <a:lvl3pPr marL="1143000" indent="-228600" algn="l" defTabSz="914400" rtl="0" eaLnBrk="1" latinLnBrk="1" hangingPunct="1">
-              <a:spcBef>
-                <a:spcPct val="20000"/>
-              </a:spcBef>
-              <a:buFont typeface="Arial" panose="020B0604020202020204" pitchFamily="34" charset="0"/>
-              <a:buChar char="•"/>
-              <a:defRPr sz="2400" kern="1200">
-                <a:solidFill>
-                  <a:schemeClr val="tx1"/>
-                </a:solidFill>
-                <a:latin typeface="+mn-lt"/>
-                <a:ea typeface="+mn-ea"/>
-                <a:cs typeface="+mn-cs"/>
-              </a:defRPr>
-            </a:lvl3pPr>
-            <a:lvl4pPr marL="1600200" indent="-228600" algn="l" defTabSz="914400" rtl="0" eaLnBrk="1" latinLnBrk="1" hangingPunct="1">
-              <a:spcBef>
-                <a:spcPct val="20000"/>
-              </a:spcBef>
-              <a:buFont typeface="Arial" panose="020B0604020202020204" pitchFamily="34" charset="0"/>
-              <a:buChar char="–"/>
-              <a:defRPr sz="2000" kern="1200">
-                <a:solidFill>
-                  <a:schemeClr val="tx1"/>
-                </a:solidFill>
-                <a:latin typeface="+mn-lt"/>
-                <a:ea typeface="+mn-ea"/>
-                <a:cs typeface="+mn-cs"/>
-              </a:defRPr>
-            </a:lvl4pPr>
-            <a:lvl5pPr marL="2057400" indent="-228600" algn="l" defTabSz="914400" rtl="0" eaLnBrk="1" latinLnBrk="1" hangingPunct="1">
-              <a:spcBef>
-                <a:spcPct val="20000"/>
-              </a:spcBef>
-              <a:buFont typeface="Arial" panose="020B0604020202020204" pitchFamily="34" charset="0"/>
-              <a:buChar char="»"/>
-              <a:defRPr sz="2000" kern="1200">
-                <a:solidFill>
-                  <a:schemeClr val="tx1"/>
-                </a:solidFill>
-                <a:latin typeface="+mn-lt"/>
-                <a:ea typeface="+mn-ea"/>
-                <a:cs typeface="+mn-cs"/>
-              </a:defRPr>
-            </a:lvl5pPr>
-            <a:lvl6pPr marL="2514600" indent="-228600" algn="l" defTabSz="914400" rtl="0" eaLnBrk="1" latinLnBrk="1" hangingPunct="1">
-              <a:spcBef>
-                <a:spcPct val="20000"/>
-              </a:spcBef>
-              <a:buFont typeface="Arial" panose="020B0604020202020204" pitchFamily="34" charset="0"/>
-              <a:buChar char="•"/>
-              <a:defRPr sz="2000" kern="1200">
-                <a:solidFill>
-                  <a:schemeClr val="tx1"/>
-                </a:solidFill>
-                <a:latin typeface="+mn-lt"/>
-                <a:ea typeface="+mn-ea"/>
-                <a:cs typeface="+mn-cs"/>
-              </a:defRPr>
-            </a:lvl6pPr>
-            <a:lvl7pPr marL="2971800" indent="-228600" algn="l" defTabSz="914400" rtl="0" eaLnBrk="1" latinLnBrk="1" hangingPunct="1">
-              <a:spcBef>
-                <a:spcPct val="20000"/>
-              </a:spcBef>
-              <a:buFont typeface="Arial" panose="020B0604020202020204" pitchFamily="34" charset="0"/>
-              <a:buChar char="•"/>
-              <a:defRPr sz="2000" kern="1200">
-                <a:solidFill>
-                  <a:schemeClr val="tx1"/>
-                </a:solidFill>
-                <a:latin typeface="+mn-lt"/>
-                <a:ea typeface="+mn-ea"/>
-                <a:cs typeface="+mn-cs"/>
-              </a:defRPr>
-            </a:lvl7pPr>
-            <a:lvl8pPr marL="3429000" indent="-228600" algn="l" defTabSz="914400" rtl="0" eaLnBrk="1" latinLnBrk="1" hangingPunct="1">
-              <a:spcBef>
-                <a:spcPct val="20000"/>
-              </a:spcBef>
-              <a:buFont typeface="Arial" panose="020B0604020202020204" pitchFamily="34" charset="0"/>
-              <a:buChar char="•"/>
-              <a:defRPr sz="2000" kern="1200">
-                <a:solidFill>
-                  <a:schemeClr val="tx1"/>
-                </a:solidFill>
-                <a:latin typeface="+mn-lt"/>
-                <a:ea typeface="+mn-ea"/>
-                <a:cs typeface="+mn-cs"/>
-              </a:defRPr>
-            </a:lvl8pPr>
-            <a:lvl9pPr marL="3886200" indent="-228600" algn="l" defTabSz="914400" rtl="0" eaLnBrk="1" latinLnBrk="1" hangingPunct="1">
-              <a:spcBef>
-                <a:spcPct val="20000"/>
-              </a:spcBef>
-              <a:buFont typeface="Arial" panose="020B0604020202020204" pitchFamily="34" charset="0"/>
-              <a:buChar char="•"/>
-              <a:defRPr sz="2000" kern="1200">
-                <a:solidFill>
-                  <a:schemeClr val="tx1"/>
-                </a:solidFill>
-                <a:latin typeface="+mn-lt"/>
-                <a:ea typeface="+mn-ea"/>
-                <a:cs typeface="+mn-cs"/>
-              </a:defRPr>
-            </a:lvl9pPr>
-          </a:lstStyle>
-          <a:p>
-            <a:pPr>
-              <a:buFont typeface="Courier New" panose="02070309020205020404" pitchFamily="49" charset="0"/>
-              <a:buChar char="o"/>
-            </a:pPr>
-            <a:r>
-              <a:rPr lang="en-US" altLang="ko-KR" sz="1800" dirty="0"/>
-              <a:t>Enable SZ compression by passing true parameter when instantiate CNc4DataOutput object.</a:t>
-            </a:r>
-          </a:p>
-        </p:txBody>
-      </p:sp>
-      <p:sp>
-        <p:nvSpPr>
-          <p:cNvPr id="7" name="제목 4">
-            <a:extLst>
-              <a:ext uri="{FF2B5EF4-FFF2-40B4-BE49-F238E27FC236}">
-                <a16:creationId xmlns:a16="http://schemas.microsoft.com/office/drawing/2014/main" id="{DC29CF18-9EE2-CE4C-88B0-71122F132879}"/>
-              </a:ext>
-            </a:extLst>
-          </p:cNvPr>
-          <p:cNvSpPr txBox="1">
-            <a:spLocks/>
-          </p:cNvSpPr>
-          <p:nvPr/>
-        </p:nvSpPr>
-        <p:spPr>
-          <a:xfrm>
-            <a:off x="179512" y="745540"/>
-            <a:ext cx="8712968" cy="566425"/>
-          </a:xfrm>
-          <a:prstGeom prst="rect">
-            <a:avLst/>
-          </a:prstGeom>
-          <a:noFill/>
-        </p:spPr>
-        <p:txBody>
-          <a:bodyPr vert="horz" wrap="square" lIns="91440" tIns="45720" rIns="91440" bIns="45720" rtlCol="0" anchor="ctr">
-            <a:noAutofit/>
-          </a:bodyPr>
-          <a:lstStyle>
-            <a:lvl1pPr algn="ctr" defTabSz="914400" rtl="0" eaLnBrk="1" latinLnBrk="1" hangingPunct="1">
-              <a:spcBef>
-                <a:spcPct val="0"/>
-              </a:spcBef>
-              <a:buNone/>
-              <a:defRPr sz="1400" b="1" kern="700" spc="-20" baseline="0">
-                <a:solidFill>
-                  <a:srgbClr val="00876F"/>
-                </a:solidFill>
-                <a:effectLst/>
-                <a:latin typeface="+mj-ea"/>
-                <a:ea typeface="+mj-ea"/>
-                <a:cs typeface="+mj-cs"/>
-              </a:defRPr>
-            </a:lvl1pPr>
-          </a:lstStyle>
-          <a:p>
-            <a:pPr algn="l">
-              <a:defRPr/>
-            </a:pPr>
-            <a:r>
-              <a:rPr lang="ko-KR" altLang="en-US" sz="1800" dirty="0">
-                <a:solidFill>
-                  <a:schemeClr val="tx1">
-                    <a:lumMod val="50000"/>
-                    <a:lumOff val="50000"/>
-                  </a:schemeClr>
-                </a:solidFill>
-                <a:latin typeface="+mn-ea"/>
-                <a:ea typeface="+mn-ea"/>
-              </a:rPr>
-              <a:t>□ </a:t>
-            </a:r>
-            <a:r>
-              <a:rPr lang="en-US" altLang="ko-KR" sz="1800" dirty="0">
-                <a:solidFill>
-                  <a:schemeClr val="tx1">
-                    <a:lumMod val="50000"/>
-                    <a:lumOff val="50000"/>
-                  </a:schemeClr>
-                </a:solidFill>
-                <a:latin typeface="+mn-ea"/>
-                <a:ea typeface="+mn-ea"/>
-              </a:rPr>
-              <a:t>Modification::</a:t>
-            </a:r>
-            <a:r>
-              <a:rPr lang="en-US" altLang="ko-KR" sz="1800" dirty="0" err="1">
-                <a:solidFill>
-                  <a:schemeClr val="tx1">
-                    <a:lumMod val="50000"/>
-                    <a:lumOff val="50000"/>
-                  </a:schemeClr>
-                </a:solidFill>
-                <a:latin typeface="+mn-ea"/>
-                <a:ea typeface="+mn-ea"/>
-              </a:rPr>
-              <a:t>src</a:t>
-            </a:r>
-            <a:r>
-              <a:rPr lang="en-US" altLang="ko-KR" sz="1800" dirty="0">
-                <a:solidFill>
-                  <a:schemeClr val="tx1">
-                    <a:lumMod val="50000"/>
-                    <a:lumOff val="50000"/>
-                  </a:schemeClr>
-                </a:solidFill>
-                <a:latin typeface="+mn-ea"/>
-                <a:ea typeface="+mn-ea"/>
-              </a:rPr>
-              <a:t>/node/</a:t>
-            </a:r>
-            <a:r>
-              <a:rPr lang="en-US" altLang="ko-KR" sz="1800" dirty="0" err="1">
-                <a:solidFill>
-                  <a:schemeClr val="tx1">
-                    <a:lumMod val="50000"/>
-                    <a:lumOff val="50000"/>
-                  </a:schemeClr>
-                </a:solidFill>
-                <a:latin typeface="+mn-ea"/>
-                <a:ea typeface="+mn-ea"/>
-              </a:rPr>
-              <a:t>file.cpp</a:t>
-            </a:r>
-            <a:br>
-              <a:rPr lang="en-US" altLang="ko-KR" dirty="0">
-                <a:solidFill>
-                  <a:schemeClr val="tx1">
-                    <a:lumMod val="50000"/>
-                    <a:lumOff val="50000"/>
-                  </a:schemeClr>
-                </a:solidFill>
-                <a:latin typeface="+mn-ea"/>
-                <a:ea typeface="+mn-ea"/>
-              </a:rPr>
-            </a:br>
-            <a:br>
-              <a:rPr lang="en-US" altLang="ko-KR" dirty="0">
-                <a:solidFill>
-                  <a:schemeClr val="tx1">
-                    <a:lumMod val="50000"/>
-                    <a:lumOff val="50000"/>
-                  </a:schemeClr>
-                </a:solidFill>
-                <a:latin typeface="+mn-ea"/>
-                <a:ea typeface="+mn-ea"/>
-                <a:sym typeface="Wingdings" pitchFamily="2" charset="2"/>
-              </a:rPr>
-            </a:br>
-            <a:endParaRPr lang="ko-KR" altLang="en-US" dirty="0">
-              <a:solidFill>
-                <a:schemeClr val="tx1">
-                  <a:lumMod val="50000"/>
-                  <a:lumOff val="50000"/>
-                </a:schemeClr>
-              </a:solidFill>
-              <a:latin typeface="+mn-ea"/>
-              <a:ea typeface="+mn-ea"/>
-            </a:endParaRPr>
-          </a:p>
-        </p:txBody>
-      </p:sp>
-      <p:pic>
-        <p:nvPicPr>
-          <p:cNvPr id="5" name="Picture 4" descr="Text&#10;&#10;Description automatically generated">
-            <a:extLst>
-              <a:ext uri="{FF2B5EF4-FFF2-40B4-BE49-F238E27FC236}">
-                <a16:creationId xmlns:a16="http://schemas.microsoft.com/office/drawing/2014/main" id="{CD1ED3D9-AA2E-80BB-0970-34C07427968C}"/>
-              </a:ext>
-            </a:extLst>
-          </p:cNvPr>
-          <p:cNvPicPr>
-            <a:picLocks noChangeAspect="1"/>
-          </p:cNvPicPr>
-          <p:nvPr/>
-        </p:nvPicPr>
-        <p:blipFill>
-          <a:blip r:embed="rId3">
-            <a:extLst>
-              <a:ext uri="{28A0092B-C50C-407E-A947-70E740481C1C}">
-                <a14:useLocalDpi xmlns:a14="http://schemas.microsoft.com/office/drawing/2010/main" val="0"/>
-              </a:ext>
-            </a:extLst>
-          </a:blip>
-          <a:stretch>
-            <a:fillRect/>
-          </a:stretch>
-        </p:blipFill>
-        <p:spPr>
-          <a:xfrm>
-            <a:off x="717550" y="2990850"/>
-            <a:ext cx="7023100" cy="876300"/>
-          </a:xfrm>
-          <a:prstGeom prst="rect">
-            <a:avLst/>
-          </a:prstGeom>
-        </p:spPr>
-      </p:pic>
-    </p:spTree>
-    <p:extLst>
-      <p:ext uri="{BB962C8B-B14F-4D97-AF65-F5344CB8AC3E}">
-        <p14:creationId xmlns:p14="http://schemas.microsoft.com/office/powerpoint/2010/main" val="704856255"/>
-      </p:ext>
-    </p:extLst>
-  </p:cSld>
-  <p:clrMapOvr>
-    <a:masterClrMapping/>
-  </p:clrMapOvr>
-</p:sld>
-</file>
-
-<file path=ppt/slides/slide11.xml><?xml version="1.0" encoding="utf-8"?>
-<p:sld xmlns:a="http://schemas.openxmlformats.org/drawingml/2006/main" xmlns:r="http://schemas.openxmlformats.org/officeDocument/2006/relationships" xmlns:p="http://schemas.openxmlformats.org/presentationml/2006/main">
-  <p:cSld>
-    <p:spTree>
-      <p:nvGrpSpPr>
-        <p:cNvPr id="1" name=""/>
-        <p:cNvGrpSpPr/>
-        <p:nvPr/>
-      </p:nvGrpSpPr>
-      <p:grpSpPr>
-        <a:xfrm>
-          <a:off x="0" y="0"/>
-          <a:ext cx="0" cy="0"/>
-          <a:chOff x="0" y="0"/>
-          <a:chExt cx="0" cy="0"/>
-        </a:xfrm>
-      </p:grpSpPr>
-      <p:sp>
-        <p:nvSpPr>
-          <p:cNvPr id="2" name="텍스트 개체 틀 1"/>
-          <p:cNvSpPr>
-            <a:spLocks noGrp="1"/>
-          </p:cNvSpPr>
-          <p:nvPr>
-            <p:ph type="body" sz="quarter" idx="11"/>
-          </p:nvPr>
-        </p:nvSpPr>
-        <p:spPr>
-          <a:xfrm>
-            <a:off x="35496" y="140947"/>
-            <a:ext cx="7992888" cy="263717"/>
-          </a:xfrm>
-        </p:spPr>
-        <p:txBody>
-          <a:bodyPr/>
-          <a:lstStyle/>
-          <a:p>
-            <a:r>
-              <a:rPr lang="en-US" dirty="0"/>
-              <a:t>XIOS Modification for Applying SZ Compression</a:t>
-            </a:r>
-            <a:endParaRPr lang="en-US" sz="1800" b="1" dirty="0"/>
-          </a:p>
-        </p:txBody>
-      </p:sp>
-      <p:sp>
-        <p:nvSpPr>
-          <p:cNvPr id="8" name="Rectangle 7">
-            <a:extLst>
-              <a:ext uri="{FF2B5EF4-FFF2-40B4-BE49-F238E27FC236}">
-                <a16:creationId xmlns:a16="http://schemas.microsoft.com/office/drawing/2014/main" id="{4D95F5D2-454D-D645-9C23-C9E200985B11}"/>
-              </a:ext>
-            </a:extLst>
-          </p:cNvPr>
-          <p:cNvSpPr txBox="1">
-            <a:spLocks/>
-          </p:cNvSpPr>
-          <p:nvPr/>
-        </p:nvSpPr>
-        <p:spPr>
-          <a:xfrm>
-            <a:off x="433673" y="1497496"/>
-            <a:ext cx="3698380" cy="2996866"/>
-          </a:xfrm>
-          <a:ln>
-            <a:solidFill>
-              <a:schemeClr val="tx1"/>
-            </a:solidFill>
-          </a:ln>
-          <a:effectLst>
-            <a:outerShdw blurRad="40000" dist="23000" dir="5400000" rotWithShape="0">
-              <a:srgbClr val="000000">
-                <a:alpha val="79000"/>
-              </a:srgbClr>
-            </a:outerShdw>
-          </a:effectLst>
-        </p:spPr>
-        <p:style>
-          <a:lnRef idx="1">
-            <a:schemeClr val="accent1"/>
-          </a:lnRef>
-          <a:fillRef idx="3">
-            <a:schemeClr val="accent1"/>
-          </a:fillRef>
-          <a:effectRef idx="2">
-            <a:schemeClr val="accent1"/>
-          </a:effectRef>
-          <a:fontRef idx="minor">
-            <a:schemeClr val="lt1"/>
-          </a:fontRef>
-        </p:style>
-        <p:txBody>
-          <a:bodyPr wrap="square"/>
-          <a:lstStyle>
-            <a:lvl1pPr marL="342900" indent="-342900" algn="l" defTabSz="914400" rtl="0" eaLnBrk="1" latinLnBrk="1" hangingPunct="1">
-              <a:spcBef>
-                <a:spcPct val="20000"/>
-              </a:spcBef>
-              <a:buFont typeface="Arial" panose="020B0604020202020204" pitchFamily="34" charset="0"/>
-              <a:buChar char="•"/>
-              <a:defRPr sz="3200" kern="1200">
-                <a:solidFill>
-                  <a:schemeClr val="tx1"/>
-                </a:solidFill>
-                <a:latin typeface="+mn-lt"/>
-                <a:ea typeface="+mn-ea"/>
-                <a:cs typeface="+mn-cs"/>
-              </a:defRPr>
-            </a:lvl1pPr>
-            <a:lvl2pPr marL="742950" indent="-285750" algn="l" defTabSz="914400" rtl="0" eaLnBrk="1" latinLnBrk="1" hangingPunct="1">
-              <a:spcBef>
-                <a:spcPct val="20000"/>
-              </a:spcBef>
-              <a:buFont typeface="Arial" panose="020B0604020202020204" pitchFamily="34" charset="0"/>
-              <a:buChar char="–"/>
-              <a:defRPr sz="2800" kern="1200">
-                <a:solidFill>
-                  <a:schemeClr val="tx1"/>
-                </a:solidFill>
-                <a:latin typeface="+mn-lt"/>
-                <a:ea typeface="+mn-ea"/>
-                <a:cs typeface="+mn-cs"/>
-              </a:defRPr>
-            </a:lvl2pPr>
-            <a:lvl3pPr marL="1143000" indent="-228600" algn="l" defTabSz="914400" rtl="0" eaLnBrk="1" latinLnBrk="1" hangingPunct="1">
-              <a:spcBef>
-                <a:spcPct val="20000"/>
-              </a:spcBef>
-              <a:buFont typeface="Arial" panose="020B0604020202020204" pitchFamily="34" charset="0"/>
-              <a:buChar char="•"/>
-              <a:defRPr sz="2400" kern="1200">
-                <a:solidFill>
-                  <a:schemeClr val="tx1"/>
-                </a:solidFill>
-                <a:latin typeface="+mn-lt"/>
-                <a:ea typeface="+mn-ea"/>
-                <a:cs typeface="+mn-cs"/>
-              </a:defRPr>
-            </a:lvl3pPr>
-            <a:lvl4pPr marL="1600200" indent="-228600" algn="l" defTabSz="914400" rtl="0" eaLnBrk="1" latinLnBrk="1" hangingPunct="1">
-              <a:spcBef>
-                <a:spcPct val="20000"/>
-              </a:spcBef>
-              <a:buFont typeface="Arial" panose="020B0604020202020204" pitchFamily="34" charset="0"/>
-              <a:buChar char="–"/>
-              <a:defRPr sz="2000" kern="1200">
-                <a:solidFill>
-                  <a:schemeClr val="tx1"/>
-                </a:solidFill>
-                <a:latin typeface="+mn-lt"/>
-                <a:ea typeface="+mn-ea"/>
-                <a:cs typeface="+mn-cs"/>
-              </a:defRPr>
-            </a:lvl4pPr>
-            <a:lvl5pPr marL="2057400" indent="-228600" algn="l" defTabSz="914400" rtl="0" eaLnBrk="1" latinLnBrk="1" hangingPunct="1">
-              <a:spcBef>
-                <a:spcPct val="20000"/>
-              </a:spcBef>
-              <a:buFont typeface="Arial" panose="020B0604020202020204" pitchFamily="34" charset="0"/>
-              <a:buChar char="»"/>
-              <a:defRPr sz="2000" kern="1200">
-                <a:solidFill>
-                  <a:schemeClr val="tx1"/>
-                </a:solidFill>
-                <a:latin typeface="+mn-lt"/>
-                <a:ea typeface="+mn-ea"/>
-                <a:cs typeface="+mn-cs"/>
-              </a:defRPr>
-            </a:lvl5pPr>
-            <a:lvl6pPr marL="2514600" indent="-228600" algn="l" defTabSz="914400" rtl="0" eaLnBrk="1" latinLnBrk="1" hangingPunct="1">
-              <a:spcBef>
-                <a:spcPct val="20000"/>
-              </a:spcBef>
-              <a:buFont typeface="Arial" panose="020B0604020202020204" pitchFamily="34" charset="0"/>
-              <a:buChar char="•"/>
-              <a:defRPr sz="2000" kern="1200">
-                <a:solidFill>
-                  <a:schemeClr val="tx1"/>
-                </a:solidFill>
-                <a:latin typeface="+mn-lt"/>
-                <a:ea typeface="+mn-ea"/>
-                <a:cs typeface="+mn-cs"/>
-              </a:defRPr>
-            </a:lvl6pPr>
-            <a:lvl7pPr marL="2971800" indent="-228600" algn="l" defTabSz="914400" rtl="0" eaLnBrk="1" latinLnBrk="1" hangingPunct="1">
-              <a:spcBef>
-                <a:spcPct val="20000"/>
-              </a:spcBef>
-              <a:buFont typeface="Arial" panose="020B0604020202020204" pitchFamily="34" charset="0"/>
-              <a:buChar char="•"/>
-              <a:defRPr sz="2000" kern="1200">
-                <a:solidFill>
-                  <a:schemeClr val="tx1"/>
-                </a:solidFill>
-                <a:latin typeface="+mn-lt"/>
-                <a:ea typeface="+mn-ea"/>
-                <a:cs typeface="+mn-cs"/>
-              </a:defRPr>
-            </a:lvl7pPr>
-            <a:lvl8pPr marL="3429000" indent="-228600" algn="l" defTabSz="914400" rtl="0" eaLnBrk="1" latinLnBrk="1" hangingPunct="1">
-              <a:spcBef>
-                <a:spcPct val="20000"/>
-              </a:spcBef>
-              <a:buFont typeface="Arial" panose="020B0604020202020204" pitchFamily="34" charset="0"/>
-              <a:buChar char="•"/>
-              <a:defRPr sz="2000" kern="1200">
-                <a:solidFill>
-                  <a:schemeClr val="tx1"/>
-                </a:solidFill>
-                <a:latin typeface="+mn-lt"/>
-                <a:ea typeface="+mn-ea"/>
-                <a:cs typeface="+mn-cs"/>
-              </a:defRPr>
-            </a:lvl8pPr>
-            <a:lvl9pPr marL="3886200" indent="-228600" algn="l" defTabSz="914400" rtl="0" eaLnBrk="1" latinLnBrk="1" hangingPunct="1">
-              <a:spcBef>
-                <a:spcPct val="20000"/>
-              </a:spcBef>
-              <a:buFont typeface="Arial" panose="020B0604020202020204" pitchFamily="34" charset="0"/>
-              <a:buChar char="•"/>
-              <a:defRPr sz="2000" kern="1200">
-                <a:solidFill>
-                  <a:schemeClr val="tx1"/>
-                </a:solidFill>
-                <a:latin typeface="+mn-lt"/>
-                <a:ea typeface="+mn-ea"/>
-                <a:cs typeface="+mn-cs"/>
-              </a:defRPr>
-            </a:lvl9pPr>
-          </a:lstStyle>
-          <a:p>
-            <a:pPr>
-              <a:buFont typeface="Courier New" panose="02070309020205020404" pitchFamily="49" charset="0"/>
-              <a:buChar char="o"/>
-            </a:pPr>
-            <a:r>
-              <a:rPr lang="en-US" altLang="ko-KR" sz="1800" dirty="0"/>
-              <a:t>The issue related to indefinite running has been solved.</a:t>
-            </a:r>
-          </a:p>
-          <a:p>
-            <a:pPr>
-              <a:buFont typeface="Courier New" panose="02070309020205020404" pitchFamily="49" charset="0"/>
-              <a:buChar char="o"/>
-            </a:pPr>
-            <a:r>
-              <a:rPr lang="en-US" altLang="ko-KR" sz="1800" dirty="0"/>
-              <a:t>The SZ compress process in previous modification never called</a:t>
-            </a:r>
-          </a:p>
-          <a:p>
-            <a:pPr>
-              <a:buFont typeface="Courier New" panose="02070309020205020404" pitchFamily="49" charset="0"/>
-              <a:buChar char="o"/>
-            </a:pPr>
-            <a:r>
-              <a:rPr lang="en-US" altLang="ko-KR" sz="1800" dirty="0"/>
-              <a:t>The log of result only trace initialization and finalization of SZ</a:t>
-            </a:r>
-          </a:p>
-        </p:txBody>
-      </p:sp>
-      <p:sp>
-        <p:nvSpPr>
-          <p:cNvPr id="7" name="제목 4">
-            <a:extLst>
-              <a:ext uri="{FF2B5EF4-FFF2-40B4-BE49-F238E27FC236}">
-                <a16:creationId xmlns:a16="http://schemas.microsoft.com/office/drawing/2014/main" id="{DC29CF18-9EE2-CE4C-88B0-71122F132879}"/>
-              </a:ext>
-            </a:extLst>
-          </p:cNvPr>
-          <p:cNvSpPr txBox="1">
-            <a:spLocks/>
-          </p:cNvSpPr>
-          <p:nvPr/>
-        </p:nvSpPr>
-        <p:spPr>
-          <a:xfrm>
-            <a:off x="179512" y="745540"/>
-            <a:ext cx="8712968" cy="566425"/>
-          </a:xfrm>
-          <a:prstGeom prst="rect">
-            <a:avLst/>
-          </a:prstGeom>
-          <a:noFill/>
-        </p:spPr>
-        <p:txBody>
-          <a:bodyPr vert="horz" wrap="square" lIns="91440" tIns="45720" rIns="91440" bIns="45720" rtlCol="0" anchor="ctr">
-            <a:noAutofit/>
-          </a:bodyPr>
-          <a:lstStyle>
-            <a:lvl1pPr algn="ctr" defTabSz="914400" rtl="0" eaLnBrk="1" latinLnBrk="1" hangingPunct="1">
-              <a:spcBef>
-                <a:spcPct val="0"/>
-              </a:spcBef>
-              <a:buNone/>
-              <a:defRPr sz="1400" b="1" kern="700" spc="-20" baseline="0">
-                <a:solidFill>
-                  <a:srgbClr val="00876F"/>
-                </a:solidFill>
-                <a:effectLst/>
-                <a:latin typeface="+mj-ea"/>
-                <a:ea typeface="+mj-ea"/>
-                <a:cs typeface="+mj-cs"/>
-              </a:defRPr>
-            </a:lvl1pPr>
-          </a:lstStyle>
-          <a:p>
-            <a:pPr algn="l">
-              <a:defRPr/>
-            </a:pPr>
-            <a:r>
-              <a:rPr lang="ko-KR" altLang="en-US" sz="1800" dirty="0">
-                <a:solidFill>
-                  <a:schemeClr val="tx1">
-                    <a:lumMod val="50000"/>
-                    <a:lumOff val="50000"/>
-                  </a:schemeClr>
-                </a:solidFill>
-                <a:latin typeface="+mn-ea"/>
-                <a:ea typeface="+mn-ea"/>
-              </a:rPr>
-              <a:t>□ </a:t>
-            </a:r>
-            <a:r>
-              <a:rPr lang="en-US" altLang="ko-KR" sz="1800" dirty="0">
-                <a:solidFill>
-                  <a:schemeClr val="tx1">
-                    <a:lumMod val="50000"/>
-                    <a:lumOff val="50000"/>
-                  </a:schemeClr>
-                </a:solidFill>
-                <a:latin typeface="+mn-ea"/>
-                <a:ea typeface="+mn-ea"/>
-              </a:rPr>
-              <a:t>Conclusion &amp; Result Log</a:t>
-            </a:r>
-            <a:br>
-              <a:rPr lang="en-US" altLang="ko-KR" dirty="0">
-                <a:solidFill>
-                  <a:schemeClr val="tx1">
-                    <a:lumMod val="50000"/>
-                    <a:lumOff val="50000"/>
-                  </a:schemeClr>
-                </a:solidFill>
-                <a:latin typeface="+mn-ea"/>
-                <a:ea typeface="+mn-ea"/>
-              </a:rPr>
-            </a:br>
-            <a:br>
-              <a:rPr lang="en-US" altLang="ko-KR" dirty="0">
-                <a:solidFill>
-                  <a:schemeClr val="tx1">
-                    <a:lumMod val="50000"/>
-                    <a:lumOff val="50000"/>
-                  </a:schemeClr>
-                </a:solidFill>
-                <a:latin typeface="+mn-ea"/>
-                <a:ea typeface="+mn-ea"/>
-                <a:sym typeface="Wingdings" pitchFamily="2" charset="2"/>
-              </a:rPr>
-            </a:br>
-            <a:endParaRPr lang="ko-KR" altLang="en-US" dirty="0">
-              <a:solidFill>
-                <a:schemeClr val="tx1">
-                  <a:lumMod val="50000"/>
-                  <a:lumOff val="50000"/>
-                </a:schemeClr>
-              </a:solidFill>
-              <a:latin typeface="+mn-ea"/>
-              <a:ea typeface="+mn-ea"/>
-            </a:endParaRPr>
-          </a:p>
-        </p:txBody>
-      </p:sp>
-      <p:pic>
-        <p:nvPicPr>
-          <p:cNvPr id="4" name="Picture 3" descr="Text&#10;&#10;Description automatically generated with medium confidence">
-            <a:extLst>
-              <a:ext uri="{FF2B5EF4-FFF2-40B4-BE49-F238E27FC236}">
-                <a16:creationId xmlns:a16="http://schemas.microsoft.com/office/drawing/2014/main" id="{3E0C0BFD-BE84-6627-A344-7BA3CB3EDA8D}"/>
-              </a:ext>
-            </a:extLst>
-          </p:cNvPr>
-          <p:cNvPicPr>
-            <a:picLocks noChangeAspect="1"/>
-          </p:cNvPicPr>
-          <p:nvPr/>
-        </p:nvPicPr>
-        <p:blipFill>
-          <a:blip r:embed="rId3">
-            <a:extLst>
-              <a:ext uri="{28A0092B-C50C-407E-A947-70E740481C1C}">
-                <a14:useLocalDpi xmlns:a14="http://schemas.microsoft.com/office/drawing/2010/main" val="0"/>
-              </a:ext>
-            </a:extLst>
-          </a:blip>
-          <a:stretch>
-            <a:fillRect/>
-          </a:stretch>
-        </p:blipFill>
-        <p:spPr>
-          <a:xfrm>
-            <a:off x="4313999" y="845389"/>
-            <a:ext cx="4674870" cy="5623560"/>
-          </a:xfrm>
-          <a:prstGeom prst="rect">
-            <a:avLst/>
-          </a:prstGeom>
-        </p:spPr>
-      </p:pic>
-    </p:spTree>
-    <p:extLst>
-      <p:ext uri="{BB962C8B-B14F-4D97-AF65-F5344CB8AC3E}">
-        <p14:creationId xmlns:p14="http://schemas.microsoft.com/office/powerpoint/2010/main" val="745017136"/>
-      </p:ext>
-    </p:extLst>
-  </p:cSld>
-  <p:clrMapOvr>
-    <a:masterClrMapping/>
-  </p:clrMapOvr>
-</p:sld>
-</file>
-
-<file path=ppt/slides/slide12.xml><?xml version="1.0" encoding="utf-8"?>
-<p:sld xmlns:a="http://schemas.openxmlformats.org/drawingml/2006/main" xmlns:r="http://schemas.openxmlformats.org/officeDocument/2006/relationships" xmlns:p="http://schemas.openxmlformats.org/presentationml/2006/main" show="0">
-  <p:cSld>
-    <p:spTree>
-      <p:nvGrpSpPr>
-        <p:cNvPr id="1" name=""/>
-        <p:cNvGrpSpPr/>
-        <p:nvPr/>
-      </p:nvGrpSpPr>
-      <p:grpSpPr>
-        <a:xfrm>
-          <a:off x="0" y="0"/>
-          <a:ext cx="0" cy="0"/>
-          <a:chOff x="0" y="0"/>
-          <a:chExt cx="0" cy="0"/>
-        </a:xfrm>
-      </p:grpSpPr>
-      <p:sp>
-        <p:nvSpPr>
-          <p:cNvPr id="2" name="텍스트 개체 틀 1"/>
-          <p:cNvSpPr>
-            <a:spLocks noGrp="1"/>
-          </p:cNvSpPr>
-          <p:nvPr>
-            <p:ph type="body" sz="quarter" idx="11"/>
-          </p:nvPr>
-        </p:nvSpPr>
-        <p:spPr>
-          <a:xfrm>
-            <a:off x="35496" y="140947"/>
-            <a:ext cx="7992888" cy="263717"/>
-          </a:xfrm>
-        </p:spPr>
-        <p:txBody>
-          <a:bodyPr/>
-          <a:lstStyle/>
-          <a:p>
-            <a:r>
-              <a:rPr lang="en-US" dirty="0"/>
-              <a:t>XIOS Modification for Applying SZ Compression</a:t>
-            </a:r>
-            <a:endParaRPr lang="en-US" sz="1800" b="1" dirty="0"/>
-          </a:p>
-        </p:txBody>
-      </p:sp>
-      <p:sp>
-        <p:nvSpPr>
-          <p:cNvPr id="8" name="Rectangle 7">
-            <a:extLst>
-              <a:ext uri="{FF2B5EF4-FFF2-40B4-BE49-F238E27FC236}">
-                <a16:creationId xmlns:a16="http://schemas.microsoft.com/office/drawing/2014/main" id="{4D95F5D2-454D-D645-9C23-C9E200985B11}"/>
-              </a:ext>
-            </a:extLst>
-          </p:cNvPr>
-          <p:cNvSpPr txBox="1">
-            <a:spLocks/>
-          </p:cNvSpPr>
-          <p:nvPr/>
-        </p:nvSpPr>
-        <p:spPr>
-          <a:xfrm>
-            <a:off x="422694" y="1497496"/>
-            <a:ext cx="8070142" cy="4393538"/>
-          </a:xfrm>
-          <a:ln>
-            <a:solidFill>
-              <a:schemeClr val="tx1"/>
-            </a:solidFill>
-          </a:ln>
-          <a:effectLst>
-            <a:outerShdw blurRad="40000" dist="23000" dir="5400000" rotWithShape="0">
-              <a:srgbClr val="000000">
-                <a:alpha val="79000"/>
-              </a:srgbClr>
-            </a:outerShdw>
-          </a:effectLst>
-        </p:spPr>
-        <p:style>
-          <a:lnRef idx="1">
-            <a:schemeClr val="accent1"/>
-          </a:lnRef>
-          <a:fillRef idx="3">
-            <a:schemeClr val="accent1"/>
-          </a:fillRef>
-          <a:effectRef idx="2">
-            <a:schemeClr val="accent1"/>
-          </a:effectRef>
-          <a:fontRef idx="minor">
-            <a:schemeClr val="lt1"/>
-          </a:fontRef>
-        </p:style>
-        <p:txBody>
-          <a:bodyPr wrap="square"/>
-          <a:lstStyle>
-            <a:lvl1pPr marL="342900" indent="-342900" algn="l" defTabSz="914400" rtl="0" eaLnBrk="1" latinLnBrk="1" hangingPunct="1">
-              <a:spcBef>
-                <a:spcPct val="20000"/>
-              </a:spcBef>
-              <a:buFont typeface="Arial" panose="020B0604020202020204" pitchFamily="34" charset="0"/>
-              <a:buChar char="•"/>
-              <a:defRPr sz="3200" kern="1200">
-                <a:solidFill>
-                  <a:schemeClr val="tx1"/>
-                </a:solidFill>
-                <a:latin typeface="+mn-lt"/>
-                <a:ea typeface="+mn-ea"/>
-                <a:cs typeface="+mn-cs"/>
-              </a:defRPr>
-            </a:lvl1pPr>
-            <a:lvl2pPr marL="742950" indent="-285750" algn="l" defTabSz="914400" rtl="0" eaLnBrk="1" latinLnBrk="1" hangingPunct="1">
-              <a:spcBef>
-                <a:spcPct val="20000"/>
-              </a:spcBef>
-              <a:buFont typeface="Arial" panose="020B0604020202020204" pitchFamily="34" charset="0"/>
-              <a:buChar char="–"/>
-              <a:defRPr sz="2800" kern="1200">
-                <a:solidFill>
-                  <a:schemeClr val="tx1"/>
-                </a:solidFill>
-                <a:latin typeface="+mn-lt"/>
-                <a:ea typeface="+mn-ea"/>
-                <a:cs typeface="+mn-cs"/>
-              </a:defRPr>
-            </a:lvl2pPr>
-            <a:lvl3pPr marL="1143000" indent="-228600" algn="l" defTabSz="914400" rtl="0" eaLnBrk="1" latinLnBrk="1" hangingPunct="1">
-              <a:spcBef>
-                <a:spcPct val="20000"/>
-              </a:spcBef>
-              <a:buFont typeface="Arial" panose="020B0604020202020204" pitchFamily="34" charset="0"/>
-              <a:buChar char="•"/>
-              <a:defRPr sz="2400" kern="1200">
-                <a:solidFill>
-                  <a:schemeClr val="tx1"/>
-                </a:solidFill>
-                <a:latin typeface="+mn-lt"/>
-                <a:ea typeface="+mn-ea"/>
-                <a:cs typeface="+mn-cs"/>
-              </a:defRPr>
-            </a:lvl3pPr>
-            <a:lvl4pPr marL="1600200" indent="-228600" algn="l" defTabSz="914400" rtl="0" eaLnBrk="1" latinLnBrk="1" hangingPunct="1">
-              <a:spcBef>
-                <a:spcPct val="20000"/>
-              </a:spcBef>
-              <a:buFont typeface="Arial" panose="020B0604020202020204" pitchFamily="34" charset="0"/>
-              <a:buChar char="–"/>
-              <a:defRPr sz="2000" kern="1200">
-                <a:solidFill>
-                  <a:schemeClr val="tx1"/>
-                </a:solidFill>
-                <a:latin typeface="+mn-lt"/>
-                <a:ea typeface="+mn-ea"/>
-                <a:cs typeface="+mn-cs"/>
-              </a:defRPr>
-            </a:lvl4pPr>
-            <a:lvl5pPr marL="2057400" indent="-228600" algn="l" defTabSz="914400" rtl="0" eaLnBrk="1" latinLnBrk="1" hangingPunct="1">
-              <a:spcBef>
-                <a:spcPct val="20000"/>
-              </a:spcBef>
-              <a:buFont typeface="Arial" panose="020B0604020202020204" pitchFamily="34" charset="0"/>
-              <a:buChar char="»"/>
-              <a:defRPr sz="2000" kern="1200">
-                <a:solidFill>
-                  <a:schemeClr val="tx1"/>
-                </a:solidFill>
-                <a:latin typeface="+mn-lt"/>
-                <a:ea typeface="+mn-ea"/>
-                <a:cs typeface="+mn-cs"/>
-              </a:defRPr>
-            </a:lvl5pPr>
-            <a:lvl6pPr marL="2514600" indent="-228600" algn="l" defTabSz="914400" rtl="0" eaLnBrk="1" latinLnBrk="1" hangingPunct="1">
-              <a:spcBef>
-                <a:spcPct val="20000"/>
-              </a:spcBef>
-              <a:buFont typeface="Arial" panose="020B0604020202020204" pitchFamily="34" charset="0"/>
-              <a:buChar char="•"/>
-              <a:defRPr sz="2000" kern="1200">
-                <a:solidFill>
-                  <a:schemeClr val="tx1"/>
-                </a:solidFill>
-                <a:latin typeface="+mn-lt"/>
-                <a:ea typeface="+mn-ea"/>
-                <a:cs typeface="+mn-cs"/>
-              </a:defRPr>
-            </a:lvl6pPr>
-            <a:lvl7pPr marL="2971800" indent="-228600" algn="l" defTabSz="914400" rtl="0" eaLnBrk="1" latinLnBrk="1" hangingPunct="1">
-              <a:spcBef>
-                <a:spcPct val="20000"/>
-              </a:spcBef>
-              <a:buFont typeface="Arial" panose="020B0604020202020204" pitchFamily="34" charset="0"/>
-              <a:buChar char="•"/>
-              <a:defRPr sz="2000" kern="1200">
-                <a:solidFill>
-                  <a:schemeClr val="tx1"/>
-                </a:solidFill>
-                <a:latin typeface="+mn-lt"/>
-                <a:ea typeface="+mn-ea"/>
-                <a:cs typeface="+mn-cs"/>
-              </a:defRPr>
-            </a:lvl7pPr>
-            <a:lvl8pPr marL="3429000" indent="-228600" algn="l" defTabSz="914400" rtl="0" eaLnBrk="1" latinLnBrk="1" hangingPunct="1">
-              <a:spcBef>
-                <a:spcPct val="20000"/>
-              </a:spcBef>
-              <a:buFont typeface="Arial" panose="020B0604020202020204" pitchFamily="34" charset="0"/>
-              <a:buChar char="•"/>
-              <a:defRPr sz="2000" kern="1200">
-                <a:solidFill>
-                  <a:schemeClr val="tx1"/>
-                </a:solidFill>
-                <a:latin typeface="+mn-lt"/>
-                <a:ea typeface="+mn-ea"/>
-                <a:cs typeface="+mn-cs"/>
-              </a:defRPr>
-            </a:lvl8pPr>
-            <a:lvl9pPr marL="3886200" indent="-228600" algn="l" defTabSz="914400" rtl="0" eaLnBrk="1" latinLnBrk="1" hangingPunct="1">
-              <a:spcBef>
-                <a:spcPct val="20000"/>
-              </a:spcBef>
-              <a:buFont typeface="Arial" panose="020B0604020202020204" pitchFamily="34" charset="0"/>
-              <a:buChar char="•"/>
-              <a:defRPr sz="2000" kern="1200">
-                <a:solidFill>
-                  <a:schemeClr val="tx1"/>
-                </a:solidFill>
-                <a:latin typeface="+mn-lt"/>
-                <a:ea typeface="+mn-ea"/>
-                <a:cs typeface="+mn-cs"/>
-              </a:defRPr>
-            </a:lvl9pPr>
-          </a:lstStyle>
-          <a:p>
-            <a:pPr>
-              <a:buFont typeface="Courier New" panose="02070309020205020404" pitchFamily="49" charset="0"/>
-              <a:buChar char="o"/>
-            </a:pPr>
-            <a:r>
-              <a:rPr lang="en-US" altLang="ko-KR" sz="1800" dirty="0"/>
-              <a:t>The issue related to indefinitely running has been solved.</a:t>
-            </a:r>
-          </a:p>
-          <a:p>
-            <a:pPr>
-              <a:buFont typeface="Courier New" panose="02070309020205020404" pitchFamily="49" charset="0"/>
-              <a:buChar char="o"/>
-            </a:pPr>
-            <a:r>
-              <a:rPr lang="en-US" altLang="ko-KR" sz="1800" dirty="0"/>
-              <a:t>The </a:t>
-            </a:r>
-            <a:r>
-              <a:rPr lang="en-US" altLang="ko-KR" sz="1800" dirty="0" err="1"/>
-              <a:t>SZ_compress</a:t>
-            </a:r>
-            <a:r>
-              <a:rPr lang="en-US" altLang="ko-KR" sz="1800" dirty="0"/>
-              <a:t> function never called, only initialization and finalization of SZ.</a:t>
-            </a:r>
-          </a:p>
-          <a:p>
-            <a:pPr>
-              <a:buFont typeface="Courier New" panose="02070309020205020404" pitchFamily="49" charset="0"/>
-              <a:buChar char="o"/>
-            </a:pPr>
-            <a:endParaRPr lang="en-US" altLang="ko-KR" sz="1800" dirty="0"/>
-          </a:p>
-        </p:txBody>
-      </p:sp>
-      <p:sp>
-        <p:nvSpPr>
-          <p:cNvPr id="7" name="제목 4">
-            <a:extLst>
-              <a:ext uri="{FF2B5EF4-FFF2-40B4-BE49-F238E27FC236}">
-                <a16:creationId xmlns:a16="http://schemas.microsoft.com/office/drawing/2014/main" id="{DC29CF18-9EE2-CE4C-88B0-71122F132879}"/>
-              </a:ext>
-            </a:extLst>
-          </p:cNvPr>
-          <p:cNvSpPr txBox="1">
-            <a:spLocks/>
-          </p:cNvSpPr>
-          <p:nvPr/>
-        </p:nvSpPr>
-        <p:spPr>
-          <a:xfrm>
-            <a:off x="179512" y="745540"/>
-            <a:ext cx="8712968" cy="566425"/>
-          </a:xfrm>
-          <a:prstGeom prst="rect">
-            <a:avLst/>
-          </a:prstGeom>
-          <a:noFill/>
-        </p:spPr>
-        <p:txBody>
-          <a:bodyPr vert="horz" wrap="square" lIns="91440" tIns="45720" rIns="91440" bIns="45720" rtlCol="0" anchor="ctr">
-            <a:noAutofit/>
-          </a:bodyPr>
-          <a:lstStyle>
-            <a:lvl1pPr algn="ctr" defTabSz="914400" rtl="0" eaLnBrk="1" latinLnBrk="1" hangingPunct="1">
-              <a:spcBef>
-                <a:spcPct val="0"/>
-              </a:spcBef>
-              <a:buNone/>
-              <a:defRPr sz="1400" b="1" kern="700" spc="-20" baseline="0">
-                <a:solidFill>
-                  <a:srgbClr val="00876F"/>
-                </a:solidFill>
-                <a:effectLst/>
-                <a:latin typeface="+mj-ea"/>
-                <a:ea typeface="+mj-ea"/>
-                <a:cs typeface="+mj-cs"/>
-              </a:defRPr>
-            </a:lvl1pPr>
-          </a:lstStyle>
-          <a:p>
-            <a:pPr algn="l">
-              <a:defRPr/>
-            </a:pPr>
-            <a:r>
-              <a:rPr lang="ko-KR" altLang="en-US" sz="1800" dirty="0">
-                <a:solidFill>
-                  <a:schemeClr val="tx1">
-                    <a:lumMod val="50000"/>
-                    <a:lumOff val="50000"/>
-                  </a:schemeClr>
-                </a:solidFill>
-                <a:latin typeface="+mn-ea"/>
-                <a:ea typeface="+mn-ea"/>
-              </a:rPr>
-              <a:t>□ </a:t>
-            </a:r>
-            <a:r>
-              <a:rPr lang="en-US" altLang="ko-KR" sz="1800" dirty="0">
-                <a:solidFill>
-                  <a:schemeClr val="tx1">
-                    <a:lumMod val="50000"/>
-                    <a:lumOff val="50000"/>
-                  </a:schemeClr>
-                </a:solidFill>
-                <a:latin typeface="+mn-ea"/>
-                <a:ea typeface="+mn-ea"/>
-              </a:rPr>
-              <a:t>Conclusion</a:t>
-            </a:r>
-            <a:br>
-              <a:rPr lang="en-US" altLang="ko-KR" dirty="0">
-                <a:solidFill>
-                  <a:schemeClr val="tx1">
-                    <a:lumMod val="50000"/>
-                    <a:lumOff val="50000"/>
-                  </a:schemeClr>
-                </a:solidFill>
-                <a:latin typeface="+mn-ea"/>
-                <a:ea typeface="+mn-ea"/>
-              </a:rPr>
-            </a:br>
-            <a:br>
-              <a:rPr lang="en-US" altLang="ko-KR" dirty="0">
-                <a:solidFill>
-                  <a:schemeClr val="tx1">
-                    <a:lumMod val="50000"/>
-                    <a:lumOff val="50000"/>
-                  </a:schemeClr>
-                </a:solidFill>
-                <a:latin typeface="+mn-ea"/>
-                <a:ea typeface="+mn-ea"/>
-                <a:sym typeface="Wingdings" pitchFamily="2" charset="2"/>
-              </a:rPr>
-            </a:br>
-            <a:endParaRPr lang="ko-KR" altLang="en-US" dirty="0">
-              <a:solidFill>
-                <a:schemeClr val="tx1">
-                  <a:lumMod val="50000"/>
-                  <a:lumOff val="50000"/>
-                </a:schemeClr>
-              </a:solidFill>
-              <a:latin typeface="+mn-ea"/>
-              <a:ea typeface="+mn-ea"/>
-            </a:endParaRPr>
-          </a:p>
-        </p:txBody>
-      </p:sp>
-    </p:spTree>
-    <p:extLst>
-      <p:ext uri="{BB962C8B-B14F-4D97-AF65-F5344CB8AC3E}">
-        <p14:creationId xmlns:p14="http://schemas.microsoft.com/office/powerpoint/2010/main" val="175492865"/>
-      </p:ext>
-    </p:extLst>
-  </p:cSld>
-  <p:clrMapOvr>
-    <a:masterClrMapping/>
-  </p:clrMapOvr>
-</p:sld>
-</file>
-
-<file path=ppt/slides/slide13.xml><?xml version="1.0" encoding="utf-8"?>
-<p:sld xmlns:a="http://schemas.openxmlformats.org/drawingml/2006/main" xmlns:r="http://schemas.openxmlformats.org/officeDocument/2006/relationships" xmlns:p="http://schemas.openxmlformats.org/presentationml/2006/main">
-  <p:cSld>
-    <p:spTree>
-      <p:nvGrpSpPr>
-        <p:cNvPr id="1" name=""/>
-        <p:cNvGrpSpPr/>
-        <p:nvPr/>
-      </p:nvGrpSpPr>
-      <p:grpSpPr>
-        <a:xfrm>
-          <a:off x="0" y="0"/>
-          <a:ext cx="0" cy="0"/>
-          <a:chOff x="0" y="0"/>
-          <a:chExt cx="0" cy="0"/>
-        </a:xfrm>
-      </p:grpSpPr>
-      <p:sp>
-        <p:nvSpPr>
           <p:cNvPr id="7" name="TextBox 6">
             <a:extLst>
               <a:ext uri="{FF2B5EF4-FFF2-40B4-BE49-F238E27FC236}">
@@ -5282,902 +3767,6 @@
 </file>
 
 <file path=ppt/slides/slide4.xml><?xml version="1.0" encoding="utf-8"?>
-<p:sld xmlns:a="http://schemas.openxmlformats.org/drawingml/2006/main" xmlns:r="http://schemas.openxmlformats.org/officeDocument/2006/relationships" xmlns:p="http://schemas.openxmlformats.org/presentationml/2006/main" show="0">
-  <p:cSld>
-    <p:spTree>
-      <p:nvGrpSpPr>
-        <p:cNvPr id="1" name=""/>
-        <p:cNvGrpSpPr/>
-        <p:nvPr/>
-      </p:nvGrpSpPr>
-      <p:grpSpPr>
-        <a:xfrm>
-          <a:off x="0" y="0"/>
-          <a:ext cx="0" cy="0"/>
-          <a:chOff x="0" y="0"/>
-          <a:chExt cx="0" cy="0"/>
-        </a:xfrm>
-      </p:grpSpPr>
-      <p:sp>
-        <p:nvSpPr>
-          <p:cNvPr id="2" name="텍스트 개체 틀 1"/>
-          <p:cNvSpPr>
-            <a:spLocks noGrp="1"/>
-          </p:cNvSpPr>
-          <p:nvPr>
-            <p:ph type="body" sz="quarter" idx="11"/>
-          </p:nvPr>
-        </p:nvSpPr>
-        <p:spPr>
-          <a:xfrm>
-            <a:off x="35496" y="140947"/>
-            <a:ext cx="7992888" cy="263717"/>
-          </a:xfrm>
-        </p:spPr>
-        <p:txBody>
-          <a:bodyPr/>
-          <a:lstStyle/>
-          <a:p>
-            <a:r>
-              <a:rPr lang="en-US" dirty="0"/>
-              <a:t>XIOS Modification for Applying SZ Compression</a:t>
-            </a:r>
-            <a:endParaRPr lang="en-US" sz="1800" b="1" dirty="0"/>
-          </a:p>
-        </p:txBody>
-      </p:sp>
-      <p:sp>
-        <p:nvSpPr>
-          <p:cNvPr id="8" name="Rectangle 7">
-            <a:extLst>
-              <a:ext uri="{FF2B5EF4-FFF2-40B4-BE49-F238E27FC236}">
-                <a16:creationId xmlns:a16="http://schemas.microsoft.com/office/drawing/2014/main" id="{4D95F5D2-454D-D645-9C23-C9E200985B11}"/>
-              </a:ext>
-            </a:extLst>
-          </p:cNvPr>
-          <p:cNvSpPr txBox="1">
-            <a:spLocks/>
-          </p:cNvSpPr>
-          <p:nvPr/>
-        </p:nvSpPr>
-        <p:spPr>
-          <a:xfrm>
-            <a:off x="35496" y="1497496"/>
-            <a:ext cx="3931023" cy="4393538"/>
-          </a:xfrm>
-          <a:ln>
-            <a:solidFill>
-              <a:schemeClr val="tx1"/>
-            </a:solidFill>
-          </a:ln>
-          <a:effectLst>
-            <a:outerShdw blurRad="40000" dist="23000" dir="5400000" rotWithShape="0">
-              <a:srgbClr val="000000">
-                <a:alpha val="79000"/>
-              </a:srgbClr>
-            </a:outerShdw>
-          </a:effectLst>
-        </p:spPr>
-        <p:style>
-          <a:lnRef idx="1">
-            <a:schemeClr val="accent1"/>
-          </a:lnRef>
-          <a:fillRef idx="3">
-            <a:schemeClr val="accent1"/>
-          </a:fillRef>
-          <a:effectRef idx="2">
-            <a:schemeClr val="accent1"/>
-          </a:effectRef>
-          <a:fontRef idx="minor">
-            <a:schemeClr val="lt1"/>
-          </a:fontRef>
-        </p:style>
-        <p:txBody>
-          <a:bodyPr wrap="square"/>
-          <a:lstStyle>
-            <a:lvl1pPr marL="342900" indent="-342900" algn="l" defTabSz="914400" rtl="0" eaLnBrk="1" latinLnBrk="1" hangingPunct="1">
-              <a:spcBef>
-                <a:spcPct val="20000"/>
-              </a:spcBef>
-              <a:buFont typeface="Arial" panose="020B0604020202020204" pitchFamily="34" charset="0"/>
-              <a:buChar char="•"/>
-              <a:defRPr sz="3200" kern="1200">
-                <a:solidFill>
-                  <a:schemeClr val="tx1"/>
-                </a:solidFill>
-                <a:latin typeface="+mn-lt"/>
-                <a:ea typeface="+mn-ea"/>
-                <a:cs typeface="+mn-cs"/>
-              </a:defRPr>
-            </a:lvl1pPr>
-            <a:lvl2pPr marL="742950" indent="-285750" algn="l" defTabSz="914400" rtl="0" eaLnBrk="1" latinLnBrk="1" hangingPunct="1">
-              <a:spcBef>
-                <a:spcPct val="20000"/>
-              </a:spcBef>
-              <a:buFont typeface="Arial" panose="020B0604020202020204" pitchFamily="34" charset="0"/>
-              <a:buChar char="–"/>
-              <a:defRPr sz="2800" kern="1200">
-                <a:solidFill>
-                  <a:schemeClr val="tx1"/>
-                </a:solidFill>
-                <a:latin typeface="+mn-lt"/>
-                <a:ea typeface="+mn-ea"/>
-                <a:cs typeface="+mn-cs"/>
-              </a:defRPr>
-            </a:lvl2pPr>
-            <a:lvl3pPr marL="1143000" indent="-228600" algn="l" defTabSz="914400" rtl="0" eaLnBrk="1" latinLnBrk="1" hangingPunct="1">
-              <a:spcBef>
-                <a:spcPct val="20000"/>
-              </a:spcBef>
-              <a:buFont typeface="Arial" panose="020B0604020202020204" pitchFamily="34" charset="0"/>
-              <a:buChar char="•"/>
-              <a:defRPr sz="2400" kern="1200">
-                <a:solidFill>
-                  <a:schemeClr val="tx1"/>
-                </a:solidFill>
-                <a:latin typeface="+mn-lt"/>
-                <a:ea typeface="+mn-ea"/>
-                <a:cs typeface="+mn-cs"/>
-              </a:defRPr>
-            </a:lvl3pPr>
-            <a:lvl4pPr marL="1600200" indent="-228600" algn="l" defTabSz="914400" rtl="0" eaLnBrk="1" latinLnBrk="1" hangingPunct="1">
-              <a:spcBef>
-                <a:spcPct val="20000"/>
-              </a:spcBef>
-              <a:buFont typeface="Arial" panose="020B0604020202020204" pitchFamily="34" charset="0"/>
-              <a:buChar char="–"/>
-              <a:defRPr sz="2000" kern="1200">
-                <a:solidFill>
-                  <a:schemeClr val="tx1"/>
-                </a:solidFill>
-                <a:latin typeface="+mn-lt"/>
-                <a:ea typeface="+mn-ea"/>
-                <a:cs typeface="+mn-cs"/>
-              </a:defRPr>
-            </a:lvl4pPr>
-            <a:lvl5pPr marL="2057400" indent="-228600" algn="l" defTabSz="914400" rtl="0" eaLnBrk="1" latinLnBrk="1" hangingPunct="1">
-              <a:spcBef>
-                <a:spcPct val="20000"/>
-              </a:spcBef>
-              <a:buFont typeface="Arial" panose="020B0604020202020204" pitchFamily="34" charset="0"/>
-              <a:buChar char="»"/>
-              <a:defRPr sz="2000" kern="1200">
-                <a:solidFill>
-                  <a:schemeClr val="tx1"/>
-                </a:solidFill>
-                <a:latin typeface="+mn-lt"/>
-                <a:ea typeface="+mn-ea"/>
-                <a:cs typeface="+mn-cs"/>
-              </a:defRPr>
-            </a:lvl5pPr>
-            <a:lvl6pPr marL="2514600" indent="-228600" algn="l" defTabSz="914400" rtl="0" eaLnBrk="1" latinLnBrk="1" hangingPunct="1">
-              <a:spcBef>
-                <a:spcPct val="20000"/>
-              </a:spcBef>
-              <a:buFont typeface="Arial" panose="020B0604020202020204" pitchFamily="34" charset="0"/>
-              <a:buChar char="•"/>
-              <a:defRPr sz="2000" kern="1200">
-                <a:solidFill>
-                  <a:schemeClr val="tx1"/>
-                </a:solidFill>
-                <a:latin typeface="+mn-lt"/>
-                <a:ea typeface="+mn-ea"/>
-                <a:cs typeface="+mn-cs"/>
-              </a:defRPr>
-            </a:lvl6pPr>
-            <a:lvl7pPr marL="2971800" indent="-228600" algn="l" defTabSz="914400" rtl="0" eaLnBrk="1" latinLnBrk="1" hangingPunct="1">
-              <a:spcBef>
-                <a:spcPct val="20000"/>
-              </a:spcBef>
-              <a:buFont typeface="Arial" panose="020B0604020202020204" pitchFamily="34" charset="0"/>
-              <a:buChar char="•"/>
-              <a:defRPr sz="2000" kern="1200">
-                <a:solidFill>
-                  <a:schemeClr val="tx1"/>
-                </a:solidFill>
-                <a:latin typeface="+mn-lt"/>
-                <a:ea typeface="+mn-ea"/>
-                <a:cs typeface="+mn-cs"/>
-              </a:defRPr>
-            </a:lvl7pPr>
-            <a:lvl8pPr marL="3429000" indent="-228600" algn="l" defTabSz="914400" rtl="0" eaLnBrk="1" latinLnBrk="1" hangingPunct="1">
-              <a:spcBef>
-                <a:spcPct val="20000"/>
-              </a:spcBef>
-              <a:buFont typeface="Arial" panose="020B0604020202020204" pitchFamily="34" charset="0"/>
-              <a:buChar char="•"/>
-              <a:defRPr sz="2000" kern="1200">
-                <a:solidFill>
-                  <a:schemeClr val="tx1"/>
-                </a:solidFill>
-                <a:latin typeface="+mn-lt"/>
-                <a:ea typeface="+mn-ea"/>
-                <a:cs typeface="+mn-cs"/>
-              </a:defRPr>
-            </a:lvl8pPr>
-            <a:lvl9pPr marL="3886200" indent="-228600" algn="l" defTabSz="914400" rtl="0" eaLnBrk="1" latinLnBrk="1" hangingPunct="1">
-              <a:spcBef>
-                <a:spcPct val="20000"/>
-              </a:spcBef>
-              <a:buFont typeface="Arial" panose="020B0604020202020204" pitchFamily="34" charset="0"/>
-              <a:buChar char="•"/>
-              <a:defRPr sz="2000" kern="1200">
-                <a:solidFill>
-                  <a:schemeClr val="tx1"/>
-                </a:solidFill>
-                <a:latin typeface="+mn-lt"/>
-                <a:ea typeface="+mn-ea"/>
-                <a:cs typeface="+mn-cs"/>
-              </a:defRPr>
-            </a:lvl9pPr>
-          </a:lstStyle>
-          <a:p>
-            <a:pPr>
-              <a:buFont typeface="Courier New" panose="02070309020205020404" pitchFamily="49" charset="0"/>
-              <a:buChar char="o"/>
-            </a:pPr>
-            <a:r>
-              <a:rPr lang="en-US" altLang="ko-KR" sz="1800" dirty="0"/>
-              <a:t>The previous repository is large, slow when navigate into directory</a:t>
-            </a:r>
-          </a:p>
-          <a:p>
-            <a:pPr>
-              <a:buFont typeface="Courier New" panose="02070309020205020404" pitchFamily="49" charset="0"/>
-              <a:buChar char="o"/>
-            </a:pPr>
-            <a:r>
-              <a:rPr lang="en-US" altLang="ko-KR" sz="1800" dirty="0"/>
-              <a:t>Create new git repository at </a:t>
-            </a:r>
-            <a:r>
-              <a:rPr lang="en-US" altLang="ko-KR" sz="1800" dirty="0" err="1"/>
-              <a:t>HPCLab</a:t>
-            </a:r>
-            <a:r>
-              <a:rPr lang="en-US" altLang="ko-KR" sz="1800" dirty="0"/>
-              <a:t> GitLab </a:t>
-            </a:r>
-            <a:r>
-              <a:rPr lang="en-US" altLang="ko-KR" sz="1800" dirty="0" err="1"/>
-              <a:t>dhs</a:t>
-            </a:r>
-            <a:r>
-              <a:rPr lang="en-US" altLang="ko-KR" sz="1800" dirty="0"/>
-              <a:t>/</a:t>
-            </a:r>
-            <a:r>
-              <a:rPr lang="en-US" altLang="ko-KR" sz="1800" dirty="0" err="1"/>
-              <a:t>xios</a:t>
-            </a:r>
-            <a:r>
-              <a:rPr lang="en-US" altLang="ko-KR" sz="1800" dirty="0"/>
-              <a:t>. It can be added later using git submodule into the previous repository.</a:t>
-            </a:r>
-          </a:p>
-          <a:p>
-            <a:pPr>
-              <a:buFont typeface="Courier New" panose="02070309020205020404" pitchFamily="49" charset="0"/>
-              <a:buChar char="o"/>
-            </a:pPr>
-            <a:r>
-              <a:rPr lang="en-US" altLang="ko-KR" sz="1800" dirty="0"/>
-              <a:t>Remove/Ignore compiled files or generated files (reduce sized and faster clone/backup</a:t>
-            </a:r>
-          </a:p>
-        </p:txBody>
-      </p:sp>
-      <p:sp>
-        <p:nvSpPr>
-          <p:cNvPr id="7" name="제목 4">
-            <a:extLst>
-              <a:ext uri="{FF2B5EF4-FFF2-40B4-BE49-F238E27FC236}">
-                <a16:creationId xmlns:a16="http://schemas.microsoft.com/office/drawing/2014/main" id="{DC29CF18-9EE2-CE4C-88B0-71122F132879}"/>
-              </a:ext>
-            </a:extLst>
-          </p:cNvPr>
-          <p:cNvSpPr txBox="1">
-            <a:spLocks/>
-          </p:cNvSpPr>
-          <p:nvPr/>
-        </p:nvSpPr>
-        <p:spPr>
-          <a:xfrm>
-            <a:off x="179512" y="745540"/>
-            <a:ext cx="8712968" cy="566425"/>
-          </a:xfrm>
-          <a:prstGeom prst="rect">
-            <a:avLst/>
-          </a:prstGeom>
-          <a:noFill/>
-        </p:spPr>
-        <p:txBody>
-          <a:bodyPr vert="horz" wrap="square" lIns="91440" tIns="45720" rIns="91440" bIns="45720" rtlCol="0" anchor="ctr">
-            <a:noAutofit/>
-          </a:bodyPr>
-          <a:lstStyle>
-            <a:lvl1pPr algn="ctr" defTabSz="914400" rtl="0" eaLnBrk="1" latinLnBrk="1" hangingPunct="1">
-              <a:spcBef>
-                <a:spcPct val="0"/>
-              </a:spcBef>
-              <a:buNone/>
-              <a:defRPr sz="1400" b="1" kern="700" spc="-20" baseline="0">
-                <a:solidFill>
-                  <a:srgbClr val="00876F"/>
-                </a:solidFill>
-                <a:effectLst/>
-                <a:latin typeface="+mj-ea"/>
-                <a:ea typeface="+mj-ea"/>
-                <a:cs typeface="+mj-cs"/>
-              </a:defRPr>
-            </a:lvl1pPr>
-          </a:lstStyle>
-          <a:p>
-            <a:pPr algn="l">
-              <a:defRPr/>
-            </a:pPr>
-            <a:r>
-              <a:rPr lang="ko-KR" altLang="en-US" sz="1800" dirty="0">
-                <a:solidFill>
-                  <a:schemeClr val="tx1">
-                    <a:lumMod val="50000"/>
-                    <a:lumOff val="50000"/>
-                  </a:schemeClr>
-                </a:solidFill>
-                <a:latin typeface="+mn-ea"/>
-                <a:ea typeface="+mn-ea"/>
-              </a:rPr>
-              <a:t>□ </a:t>
-            </a:r>
-            <a:r>
-              <a:rPr lang="en-US" altLang="ko-KR" sz="1800" dirty="0">
-                <a:solidFill>
-                  <a:schemeClr val="tx1">
-                    <a:lumMod val="50000"/>
-                    <a:lumOff val="50000"/>
-                  </a:schemeClr>
-                </a:solidFill>
-                <a:latin typeface="+mn-ea"/>
-                <a:ea typeface="+mn-ea"/>
-              </a:rPr>
-              <a:t>Implementation Progress::XIOS Repository</a:t>
-            </a:r>
-            <a:br>
-              <a:rPr lang="en-US" altLang="ko-KR" dirty="0">
-                <a:solidFill>
-                  <a:schemeClr val="tx1">
-                    <a:lumMod val="50000"/>
-                    <a:lumOff val="50000"/>
-                  </a:schemeClr>
-                </a:solidFill>
-                <a:latin typeface="+mn-ea"/>
-                <a:ea typeface="+mn-ea"/>
-              </a:rPr>
-            </a:br>
-            <a:br>
-              <a:rPr lang="en-US" altLang="ko-KR" dirty="0">
-                <a:solidFill>
-                  <a:schemeClr val="tx1">
-                    <a:lumMod val="50000"/>
-                    <a:lumOff val="50000"/>
-                  </a:schemeClr>
-                </a:solidFill>
-                <a:latin typeface="+mn-ea"/>
-                <a:ea typeface="+mn-ea"/>
-                <a:sym typeface="Wingdings" pitchFamily="2" charset="2"/>
-              </a:rPr>
-            </a:br>
-            <a:endParaRPr lang="ko-KR" altLang="en-US" dirty="0">
-              <a:solidFill>
-                <a:schemeClr val="tx1">
-                  <a:lumMod val="50000"/>
-                  <a:lumOff val="50000"/>
-                </a:schemeClr>
-              </a:solidFill>
-              <a:latin typeface="+mn-ea"/>
-              <a:ea typeface="+mn-ea"/>
-            </a:endParaRPr>
-          </a:p>
-        </p:txBody>
-      </p:sp>
-      <p:pic>
-        <p:nvPicPr>
-          <p:cNvPr id="3" name="Content Placeholder 12" descr="Graphical user interface, text, application&#10;&#10;Description automatically generated">
-            <a:extLst>
-              <a:ext uri="{FF2B5EF4-FFF2-40B4-BE49-F238E27FC236}">
-                <a16:creationId xmlns:a16="http://schemas.microsoft.com/office/drawing/2014/main" id="{77F45B2E-A163-BE34-6305-8C92D2698A69}"/>
-              </a:ext>
-            </a:extLst>
-          </p:cNvPr>
-          <p:cNvPicPr>
-            <a:picLocks noChangeAspect="1"/>
-          </p:cNvPicPr>
-          <p:nvPr/>
-        </p:nvPicPr>
-        <p:blipFill>
-          <a:blip r:embed="rId3"/>
-          <a:stretch>
-            <a:fillRect/>
-          </a:stretch>
-        </p:blipFill>
-        <p:spPr>
-          <a:xfrm>
-            <a:off x="4572000" y="1497496"/>
-            <a:ext cx="4210050" cy="3052804"/>
-          </a:xfrm>
-          <a:prstGeom prst="rect">
-            <a:avLst/>
-          </a:prstGeom>
-        </p:spPr>
-      </p:pic>
-    </p:spTree>
-    <p:extLst>
-      <p:ext uri="{BB962C8B-B14F-4D97-AF65-F5344CB8AC3E}">
-        <p14:creationId xmlns:p14="http://schemas.microsoft.com/office/powerpoint/2010/main" val="3612173817"/>
-      </p:ext>
-    </p:extLst>
-  </p:cSld>
-  <p:clrMapOvr>
-    <a:masterClrMapping/>
-  </p:clrMapOvr>
-</p:sld>
-</file>
-
-<file path=ppt/slides/slide5.xml><?xml version="1.0" encoding="utf-8"?>
-<p:sld xmlns:a="http://schemas.openxmlformats.org/drawingml/2006/main" xmlns:r="http://schemas.openxmlformats.org/officeDocument/2006/relationships" xmlns:p="http://schemas.openxmlformats.org/presentationml/2006/main" show="0">
-  <p:cSld>
-    <p:spTree>
-      <p:nvGrpSpPr>
-        <p:cNvPr id="1" name=""/>
-        <p:cNvGrpSpPr/>
-        <p:nvPr/>
-      </p:nvGrpSpPr>
-      <p:grpSpPr>
-        <a:xfrm>
-          <a:off x="0" y="0"/>
-          <a:ext cx="0" cy="0"/>
-          <a:chOff x="0" y="0"/>
-          <a:chExt cx="0" cy="0"/>
-        </a:xfrm>
-      </p:grpSpPr>
-      <p:sp>
-        <p:nvSpPr>
-          <p:cNvPr id="2" name="텍스트 개체 틀 1"/>
-          <p:cNvSpPr>
-            <a:spLocks noGrp="1"/>
-          </p:cNvSpPr>
-          <p:nvPr>
-            <p:ph type="body" sz="quarter" idx="11"/>
-          </p:nvPr>
-        </p:nvSpPr>
-        <p:spPr>
-          <a:xfrm>
-            <a:off x="35496" y="140947"/>
-            <a:ext cx="7992888" cy="263717"/>
-          </a:xfrm>
-        </p:spPr>
-        <p:txBody>
-          <a:bodyPr/>
-          <a:lstStyle/>
-          <a:p>
-            <a:r>
-              <a:rPr lang="en-US" dirty="0"/>
-              <a:t>XIOS Modification for Applying SZ Compression</a:t>
-            </a:r>
-            <a:endParaRPr lang="en-US" sz="1800" b="1" dirty="0"/>
-          </a:p>
-        </p:txBody>
-      </p:sp>
-      <p:sp>
-        <p:nvSpPr>
-          <p:cNvPr id="8" name="Rectangle 7">
-            <a:extLst>
-              <a:ext uri="{FF2B5EF4-FFF2-40B4-BE49-F238E27FC236}">
-                <a16:creationId xmlns:a16="http://schemas.microsoft.com/office/drawing/2014/main" id="{4D95F5D2-454D-D645-9C23-C9E200985B11}"/>
-              </a:ext>
-            </a:extLst>
-          </p:cNvPr>
-          <p:cNvSpPr txBox="1">
-            <a:spLocks/>
-          </p:cNvSpPr>
-          <p:nvPr/>
-        </p:nvSpPr>
-        <p:spPr>
-          <a:xfrm>
-            <a:off x="35496" y="1497496"/>
-            <a:ext cx="3931023" cy="4393538"/>
-          </a:xfrm>
-          <a:ln>
-            <a:solidFill>
-              <a:schemeClr val="tx1"/>
-            </a:solidFill>
-          </a:ln>
-          <a:effectLst>
-            <a:outerShdw blurRad="40000" dist="23000" dir="5400000" rotWithShape="0">
-              <a:srgbClr val="000000">
-                <a:alpha val="79000"/>
-              </a:srgbClr>
-            </a:outerShdw>
-          </a:effectLst>
-        </p:spPr>
-        <p:style>
-          <a:lnRef idx="1">
-            <a:schemeClr val="accent1"/>
-          </a:lnRef>
-          <a:fillRef idx="3">
-            <a:schemeClr val="accent1"/>
-          </a:fillRef>
-          <a:effectRef idx="2">
-            <a:schemeClr val="accent1"/>
-          </a:effectRef>
-          <a:fontRef idx="minor">
-            <a:schemeClr val="lt1"/>
-          </a:fontRef>
-        </p:style>
-        <p:txBody>
-          <a:bodyPr wrap="square"/>
-          <a:lstStyle>
-            <a:lvl1pPr marL="342900" indent="-342900" algn="l" defTabSz="914400" rtl="0" eaLnBrk="1" latinLnBrk="1" hangingPunct="1">
-              <a:spcBef>
-                <a:spcPct val="20000"/>
-              </a:spcBef>
-              <a:buFont typeface="Arial" panose="020B0604020202020204" pitchFamily="34" charset="0"/>
-              <a:buChar char="•"/>
-              <a:defRPr sz="3200" kern="1200">
-                <a:solidFill>
-                  <a:schemeClr val="tx1"/>
-                </a:solidFill>
-                <a:latin typeface="+mn-lt"/>
-                <a:ea typeface="+mn-ea"/>
-                <a:cs typeface="+mn-cs"/>
-              </a:defRPr>
-            </a:lvl1pPr>
-            <a:lvl2pPr marL="742950" indent="-285750" algn="l" defTabSz="914400" rtl="0" eaLnBrk="1" latinLnBrk="1" hangingPunct="1">
-              <a:spcBef>
-                <a:spcPct val="20000"/>
-              </a:spcBef>
-              <a:buFont typeface="Arial" panose="020B0604020202020204" pitchFamily="34" charset="0"/>
-              <a:buChar char="–"/>
-              <a:defRPr sz="2800" kern="1200">
-                <a:solidFill>
-                  <a:schemeClr val="tx1"/>
-                </a:solidFill>
-                <a:latin typeface="+mn-lt"/>
-                <a:ea typeface="+mn-ea"/>
-                <a:cs typeface="+mn-cs"/>
-              </a:defRPr>
-            </a:lvl2pPr>
-            <a:lvl3pPr marL="1143000" indent="-228600" algn="l" defTabSz="914400" rtl="0" eaLnBrk="1" latinLnBrk="1" hangingPunct="1">
-              <a:spcBef>
-                <a:spcPct val="20000"/>
-              </a:spcBef>
-              <a:buFont typeface="Arial" panose="020B0604020202020204" pitchFamily="34" charset="0"/>
-              <a:buChar char="•"/>
-              <a:defRPr sz="2400" kern="1200">
-                <a:solidFill>
-                  <a:schemeClr val="tx1"/>
-                </a:solidFill>
-                <a:latin typeface="+mn-lt"/>
-                <a:ea typeface="+mn-ea"/>
-                <a:cs typeface="+mn-cs"/>
-              </a:defRPr>
-            </a:lvl3pPr>
-            <a:lvl4pPr marL="1600200" indent="-228600" algn="l" defTabSz="914400" rtl="0" eaLnBrk="1" latinLnBrk="1" hangingPunct="1">
-              <a:spcBef>
-                <a:spcPct val="20000"/>
-              </a:spcBef>
-              <a:buFont typeface="Arial" panose="020B0604020202020204" pitchFamily="34" charset="0"/>
-              <a:buChar char="–"/>
-              <a:defRPr sz="2000" kern="1200">
-                <a:solidFill>
-                  <a:schemeClr val="tx1"/>
-                </a:solidFill>
-                <a:latin typeface="+mn-lt"/>
-                <a:ea typeface="+mn-ea"/>
-                <a:cs typeface="+mn-cs"/>
-              </a:defRPr>
-            </a:lvl4pPr>
-            <a:lvl5pPr marL="2057400" indent="-228600" algn="l" defTabSz="914400" rtl="0" eaLnBrk="1" latinLnBrk="1" hangingPunct="1">
-              <a:spcBef>
-                <a:spcPct val="20000"/>
-              </a:spcBef>
-              <a:buFont typeface="Arial" panose="020B0604020202020204" pitchFamily="34" charset="0"/>
-              <a:buChar char="»"/>
-              <a:defRPr sz="2000" kern="1200">
-                <a:solidFill>
-                  <a:schemeClr val="tx1"/>
-                </a:solidFill>
-                <a:latin typeface="+mn-lt"/>
-                <a:ea typeface="+mn-ea"/>
-                <a:cs typeface="+mn-cs"/>
-              </a:defRPr>
-            </a:lvl5pPr>
-            <a:lvl6pPr marL="2514600" indent="-228600" algn="l" defTabSz="914400" rtl="0" eaLnBrk="1" latinLnBrk="1" hangingPunct="1">
-              <a:spcBef>
-                <a:spcPct val="20000"/>
-              </a:spcBef>
-              <a:buFont typeface="Arial" panose="020B0604020202020204" pitchFamily="34" charset="0"/>
-              <a:buChar char="•"/>
-              <a:defRPr sz="2000" kern="1200">
-                <a:solidFill>
-                  <a:schemeClr val="tx1"/>
-                </a:solidFill>
-                <a:latin typeface="+mn-lt"/>
-                <a:ea typeface="+mn-ea"/>
-                <a:cs typeface="+mn-cs"/>
-              </a:defRPr>
-            </a:lvl6pPr>
-            <a:lvl7pPr marL="2971800" indent="-228600" algn="l" defTabSz="914400" rtl="0" eaLnBrk="1" latinLnBrk="1" hangingPunct="1">
-              <a:spcBef>
-                <a:spcPct val="20000"/>
-              </a:spcBef>
-              <a:buFont typeface="Arial" panose="020B0604020202020204" pitchFamily="34" charset="0"/>
-              <a:buChar char="•"/>
-              <a:defRPr sz="2000" kern="1200">
-                <a:solidFill>
-                  <a:schemeClr val="tx1"/>
-                </a:solidFill>
-                <a:latin typeface="+mn-lt"/>
-                <a:ea typeface="+mn-ea"/>
-                <a:cs typeface="+mn-cs"/>
-              </a:defRPr>
-            </a:lvl7pPr>
-            <a:lvl8pPr marL="3429000" indent="-228600" algn="l" defTabSz="914400" rtl="0" eaLnBrk="1" latinLnBrk="1" hangingPunct="1">
-              <a:spcBef>
-                <a:spcPct val="20000"/>
-              </a:spcBef>
-              <a:buFont typeface="Arial" panose="020B0604020202020204" pitchFamily="34" charset="0"/>
-              <a:buChar char="•"/>
-              <a:defRPr sz="2000" kern="1200">
-                <a:solidFill>
-                  <a:schemeClr val="tx1"/>
-                </a:solidFill>
-                <a:latin typeface="+mn-lt"/>
-                <a:ea typeface="+mn-ea"/>
-                <a:cs typeface="+mn-cs"/>
-              </a:defRPr>
-            </a:lvl8pPr>
-            <a:lvl9pPr marL="3886200" indent="-228600" algn="l" defTabSz="914400" rtl="0" eaLnBrk="1" latinLnBrk="1" hangingPunct="1">
-              <a:spcBef>
-                <a:spcPct val="20000"/>
-              </a:spcBef>
-              <a:buFont typeface="Arial" panose="020B0604020202020204" pitchFamily="34" charset="0"/>
-              <a:buChar char="•"/>
-              <a:defRPr sz="2000" kern="1200">
-                <a:solidFill>
-                  <a:schemeClr val="tx1"/>
-                </a:solidFill>
-                <a:latin typeface="+mn-lt"/>
-                <a:ea typeface="+mn-ea"/>
-                <a:cs typeface="+mn-cs"/>
-              </a:defRPr>
-            </a:lvl9pPr>
-          </a:lstStyle>
-          <a:p>
-            <a:pPr>
-              <a:buFont typeface="Courier New" panose="02070309020205020404" pitchFamily="49" charset="0"/>
-              <a:buChar char="o"/>
-            </a:pPr>
-            <a:r>
-              <a:rPr lang="en-US" altLang="ko-KR" sz="1800" dirty="0"/>
-              <a:t>Development follow Git branching methodology</a:t>
-            </a:r>
-          </a:p>
-          <a:p>
-            <a:pPr>
-              <a:buFont typeface="Courier New" panose="02070309020205020404" pitchFamily="49" charset="0"/>
-              <a:buChar char="o"/>
-            </a:pPr>
-            <a:r>
-              <a:rPr lang="en-US" altLang="ko-KR" sz="1800" dirty="0"/>
-              <a:t>main: store main XIOS code (before modification)</a:t>
-            </a:r>
-          </a:p>
-          <a:p>
-            <a:pPr>
-              <a:buFont typeface="Courier New" panose="02070309020205020404" pitchFamily="49" charset="0"/>
-              <a:buChar char="o"/>
-            </a:pPr>
-            <a:r>
-              <a:rPr lang="en-US" altLang="ko-KR" sz="1800" dirty="0"/>
-              <a:t>develop: development version of XIOS (modified)</a:t>
-            </a:r>
-          </a:p>
-          <a:p>
-            <a:pPr>
-              <a:buFont typeface="Courier New" panose="02070309020205020404" pitchFamily="49" charset="0"/>
-              <a:buChar char="o"/>
-            </a:pPr>
-            <a:r>
-              <a:rPr lang="en-US" altLang="ko-KR" sz="1800" dirty="0"/>
-              <a:t>feature-branch: feature specific development version.</a:t>
-            </a:r>
-          </a:p>
-          <a:p>
-            <a:pPr>
-              <a:buFont typeface="Courier New" panose="02070309020205020404" pitchFamily="49" charset="0"/>
-              <a:buChar char="o"/>
-            </a:pPr>
-            <a:r>
-              <a:rPr lang="en-US" altLang="ko-KR" sz="1800" dirty="0"/>
-              <a:t>feature-branch will be merged when the feature is mature.</a:t>
-            </a:r>
-          </a:p>
-          <a:p>
-            <a:pPr>
-              <a:buFont typeface="Courier New" panose="02070309020205020404" pitchFamily="49" charset="0"/>
-              <a:buChar char="o"/>
-            </a:pPr>
-            <a:r>
-              <a:rPr lang="en-US" altLang="ko-KR" sz="1800" dirty="0"/>
-              <a:t>Branches can help to avoid bugs and easy to switch to a working version.</a:t>
-            </a:r>
-          </a:p>
-        </p:txBody>
-      </p:sp>
-      <p:sp>
-        <p:nvSpPr>
-          <p:cNvPr id="7" name="제목 4">
-            <a:extLst>
-              <a:ext uri="{FF2B5EF4-FFF2-40B4-BE49-F238E27FC236}">
-                <a16:creationId xmlns:a16="http://schemas.microsoft.com/office/drawing/2014/main" id="{DC29CF18-9EE2-CE4C-88B0-71122F132879}"/>
-              </a:ext>
-            </a:extLst>
-          </p:cNvPr>
-          <p:cNvSpPr txBox="1">
-            <a:spLocks/>
-          </p:cNvSpPr>
-          <p:nvPr/>
-        </p:nvSpPr>
-        <p:spPr>
-          <a:xfrm>
-            <a:off x="179512" y="745540"/>
-            <a:ext cx="8712968" cy="566425"/>
-          </a:xfrm>
-          <a:prstGeom prst="rect">
-            <a:avLst/>
-          </a:prstGeom>
-          <a:noFill/>
-        </p:spPr>
-        <p:txBody>
-          <a:bodyPr vert="horz" wrap="square" lIns="91440" tIns="45720" rIns="91440" bIns="45720" rtlCol="0" anchor="ctr">
-            <a:noAutofit/>
-          </a:bodyPr>
-          <a:lstStyle>
-            <a:lvl1pPr algn="ctr" defTabSz="914400" rtl="0" eaLnBrk="1" latinLnBrk="1" hangingPunct="1">
-              <a:spcBef>
-                <a:spcPct val="0"/>
-              </a:spcBef>
-              <a:buNone/>
-              <a:defRPr sz="1400" b="1" kern="700" spc="-20" baseline="0">
-                <a:solidFill>
-                  <a:srgbClr val="00876F"/>
-                </a:solidFill>
-                <a:effectLst/>
-                <a:latin typeface="+mj-ea"/>
-                <a:ea typeface="+mj-ea"/>
-                <a:cs typeface="+mj-cs"/>
-              </a:defRPr>
-            </a:lvl1pPr>
-          </a:lstStyle>
-          <a:p>
-            <a:pPr algn="l">
-              <a:defRPr/>
-            </a:pPr>
-            <a:r>
-              <a:rPr lang="ko-KR" altLang="en-US" sz="1800" dirty="0">
-                <a:solidFill>
-                  <a:schemeClr val="tx1">
-                    <a:lumMod val="50000"/>
-                    <a:lumOff val="50000"/>
-                  </a:schemeClr>
-                </a:solidFill>
-                <a:latin typeface="+mn-ea"/>
-                <a:ea typeface="+mn-ea"/>
-              </a:rPr>
-              <a:t>□ </a:t>
-            </a:r>
-            <a:r>
-              <a:rPr lang="en-US" altLang="ko-KR" sz="1800" dirty="0">
-                <a:solidFill>
-                  <a:schemeClr val="tx1">
-                    <a:lumMod val="50000"/>
-                    <a:lumOff val="50000"/>
-                  </a:schemeClr>
-                </a:solidFill>
-                <a:latin typeface="+mn-ea"/>
-                <a:ea typeface="+mn-ea"/>
-              </a:rPr>
-              <a:t>Implementation Progress::Branches</a:t>
-            </a:r>
-            <a:br>
-              <a:rPr lang="en-US" altLang="ko-KR" dirty="0">
-                <a:solidFill>
-                  <a:schemeClr val="tx1">
-                    <a:lumMod val="50000"/>
-                    <a:lumOff val="50000"/>
-                  </a:schemeClr>
-                </a:solidFill>
-                <a:latin typeface="+mn-ea"/>
-                <a:ea typeface="+mn-ea"/>
-              </a:rPr>
-            </a:br>
-            <a:br>
-              <a:rPr lang="en-US" altLang="ko-KR" dirty="0">
-                <a:solidFill>
-                  <a:schemeClr val="tx1">
-                    <a:lumMod val="50000"/>
-                    <a:lumOff val="50000"/>
-                  </a:schemeClr>
-                </a:solidFill>
-                <a:latin typeface="+mn-ea"/>
-                <a:ea typeface="+mn-ea"/>
-                <a:sym typeface="Wingdings" pitchFamily="2" charset="2"/>
-              </a:rPr>
-            </a:br>
-            <a:endParaRPr lang="ko-KR" altLang="en-US" dirty="0">
-              <a:solidFill>
-                <a:schemeClr val="tx1">
-                  <a:lumMod val="50000"/>
-                  <a:lumOff val="50000"/>
-                </a:schemeClr>
-              </a:solidFill>
-              <a:latin typeface="+mn-ea"/>
-              <a:ea typeface="+mn-ea"/>
-            </a:endParaRPr>
-          </a:p>
-        </p:txBody>
-      </p:sp>
-      <p:pic>
-        <p:nvPicPr>
-          <p:cNvPr id="5" name="Picture 4" descr="Graphical user interface, text, application, email&#10;&#10;Description automatically generated">
-            <a:extLst>
-              <a:ext uri="{FF2B5EF4-FFF2-40B4-BE49-F238E27FC236}">
-                <a16:creationId xmlns:a16="http://schemas.microsoft.com/office/drawing/2014/main" id="{00858FD4-35DF-A64C-5E6C-353212ED49C7}"/>
-              </a:ext>
-            </a:extLst>
-          </p:cNvPr>
-          <p:cNvPicPr>
-            <a:picLocks noChangeAspect="1"/>
-          </p:cNvPicPr>
-          <p:nvPr/>
-        </p:nvPicPr>
-        <p:blipFill>
-          <a:blip r:embed="rId3">
-            <a:extLst>
-              <a:ext uri="{28A0092B-C50C-407E-A947-70E740481C1C}">
-                <a14:useLocalDpi xmlns:a14="http://schemas.microsoft.com/office/drawing/2010/main" val="0"/>
-              </a:ext>
-            </a:extLst>
-          </a:blip>
-          <a:stretch>
-            <a:fillRect/>
-          </a:stretch>
-        </p:blipFill>
-        <p:spPr>
-          <a:xfrm>
-            <a:off x="4300152" y="1497496"/>
-            <a:ext cx="4371928" cy="2258958"/>
-          </a:xfrm>
-          <a:prstGeom prst="rect">
-            <a:avLst/>
-          </a:prstGeom>
-        </p:spPr>
-      </p:pic>
-    </p:spTree>
-    <p:extLst>
-      <p:ext uri="{BB962C8B-B14F-4D97-AF65-F5344CB8AC3E}">
-        <p14:creationId xmlns:p14="http://schemas.microsoft.com/office/powerpoint/2010/main" val="4168661480"/>
-      </p:ext>
-    </p:extLst>
-  </p:cSld>
-  <p:clrMapOvr>
-    <a:masterClrMapping/>
-  </p:clrMapOvr>
-</p:sld>
-</file>
-
-<file path=ppt/slides/slide6.xml><?xml version="1.0" encoding="utf-8"?>
 <p:sld xmlns:a="http://schemas.openxmlformats.org/drawingml/2006/main" xmlns:r="http://schemas.openxmlformats.org/officeDocument/2006/relationships" xmlns:p="http://schemas.openxmlformats.org/presentationml/2006/main">
   <p:cSld>
     <p:spTree>
@@ -6743,7 +4332,7 @@
 </p:sld>
 </file>
 
-<file path=ppt/slides/slide7.xml><?xml version="1.0" encoding="utf-8"?>
+<file path=ppt/slides/slide5.xml><?xml version="1.0" encoding="utf-8"?>
 <p:sld xmlns:a="http://schemas.openxmlformats.org/drawingml/2006/main" xmlns:r="http://schemas.openxmlformats.org/officeDocument/2006/relationships" xmlns:p="http://schemas.openxmlformats.org/presentationml/2006/main">
   <p:cSld>
     <p:spTree>
@@ -7231,7 +4820,7 @@
 </p:sld>
 </file>
 
-<file path=ppt/slides/slide8.xml><?xml version="1.0" encoding="utf-8"?>
+<file path=ppt/slides/slide6.xml><?xml version="1.0" encoding="utf-8"?>
 <p:sld xmlns:a="http://schemas.openxmlformats.org/drawingml/2006/main" xmlns:r="http://schemas.openxmlformats.org/officeDocument/2006/relationships" xmlns:p="http://schemas.openxmlformats.org/presentationml/2006/main">
   <p:cSld>
     <p:spTree>
@@ -7675,6 +5264,650 @@
 </p:sld>
 </file>
 
+<file path=ppt/slides/slide7.xml><?xml version="1.0" encoding="utf-8"?>
+<p:sld xmlns:a="http://schemas.openxmlformats.org/drawingml/2006/main" xmlns:r="http://schemas.openxmlformats.org/officeDocument/2006/relationships" xmlns:p="http://schemas.openxmlformats.org/presentationml/2006/main">
+  <p:cSld>
+    <p:spTree>
+      <p:nvGrpSpPr>
+        <p:cNvPr id="1" name=""/>
+        <p:cNvGrpSpPr/>
+        <p:nvPr/>
+      </p:nvGrpSpPr>
+      <p:grpSpPr>
+        <a:xfrm>
+          <a:off x="0" y="0"/>
+          <a:ext cx="0" cy="0"/>
+          <a:chOff x="0" y="0"/>
+          <a:chExt cx="0" cy="0"/>
+        </a:xfrm>
+      </p:grpSpPr>
+      <p:sp>
+        <p:nvSpPr>
+          <p:cNvPr id="2" name="텍스트 개체 틀 1"/>
+          <p:cNvSpPr>
+            <a:spLocks noGrp="1"/>
+          </p:cNvSpPr>
+          <p:nvPr>
+            <p:ph type="body" sz="quarter" idx="11"/>
+          </p:nvPr>
+        </p:nvSpPr>
+        <p:spPr>
+          <a:xfrm>
+            <a:off x="35496" y="140947"/>
+            <a:ext cx="7992888" cy="263717"/>
+          </a:xfrm>
+        </p:spPr>
+        <p:txBody>
+          <a:bodyPr/>
+          <a:lstStyle/>
+          <a:p>
+            <a:r>
+              <a:rPr lang="en-US" dirty="0"/>
+              <a:t>XIOS Modification for Applying SZ Compression</a:t>
+            </a:r>
+            <a:endParaRPr lang="en-US" sz="1800" b="1" dirty="0"/>
+          </a:p>
+        </p:txBody>
+      </p:sp>
+      <p:sp>
+        <p:nvSpPr>
+          <p:cNvPr id="7" name="제목 4">
+            <a:extLst>
+              <a:ext uri="{FF2B5EF4-FFF2-40B4-BE49-F238E27FC236}">
+                <a16:creationId xmlns:a16="http://schemas.microsoft.com/office/drawing/2014/main" id="{DC29CF18-9EE2-CE4C-88B0-71122F132879}"/>
+              </a:ext>
+            </a:extLst>
+          </p:cNvPr>
+          <p:cNvSpPr txBox="1">
+            <a:spLocks/>
+          </p:cNvSpPr>
+          <p:nvPr/>
+        </p:nvSpPr>
+        <p:spPr>
+          <a:xfrm>
+            <a:off x="179512" y="745540"/>
+            <a:ext cx="8712968" cy="566425"/>
+          </a:xfrm>
+          <a:prstGeom prst="rect">
+            <a:avLst/>
+          </a:prstGeom>
+          <a:noFill/>
+        </p:spPr>
+        <p:txBody>
+          <a:bodyPr vert="horz" wrap="square" lIns="91440" tIns="45720" rIns="91440" bIns="45720" rtlCol="0" anchor="ctr">
+            <a:noAutofit/>
+          </a:bodyPr>
+          <a:lstStyle>
+            <a:lvl1pPr algn="ctr" defTabSz="914400" rtl="0" eaLnBrk="1" latinLnBrk="1" hangingPunct="1">
+              <a:spcBef>
+                <a:spcPct val="0"/>
+              </a:spcBef>
+              <a:buNone/>
+              <a:defRPr sz="1400" b="1" kern="700" spc="-20" baseline="0">
+                <a:solidFill>
+                  <a:srgbClr val="00876F"/>
+                </a:solidFill>
+                <a:effectLst/>
+                <a:latin typeface="+mj-ea"/>
+                <a:ea typeface="+mj-ea"/>
+                <a:cs typeface="+mj-cs"/>
+              </a:defRPr>
+            </a:lvl1pPr>
+          </a:lstStyle>
+          <a:p>
+            <a:pPr algn="l">
+              <a:defRPr/>
+            </a:pPr>
+            <a:r>
+              <a:rPr lang="ko-KR" altLang="en-US" sz="1800" dirty="0">
+                <a:solidFill>
+                  <a:schemeClr val="tx1">
+                    <a:lumMod val="50000"/>
+                    <a:lumOff val="50000"/>
+                  </a:schemeClr>
+                </a:solidFill>
+                <a:latin typeface="+mn-ea"/>
+                <a:ea typeface="+mn-ea"/>
+              </a:rPr>
+              <a:t>□ </a:t>
+            </a:r>
+            <a:r>
+              <a:rPr lang="en-US" altLang="ko-KR" sz="1800" dirty="0">
+                <a:solidFill>
+                  <a:schemeClr val="tx1">
+                    <a:lumMod val="50000"/>
+                    <a:lumOff val="50000"/>
+                  </a:schemeClr>
+                </a:solidFill>
+                <a:latin typeface="+mn-ea"/>
+                <a:ea typeface="+mn-ea"/>
+              </a:rPr>
+              <a:t>Modification</a:t>
+            </a:r>
+            <a:br>
+              <a:rPr lang="en-US" altLang="ko-KR" dirty="0">
+                <a:solidFill>
+                  <a:schemeClr val="tx1">
+                    <a:lumMod val="50000"/>
+                    <a:lumOff val="50000"/>
+                  </a:schemeClr>
+                </a:solidFill>
+                <a:latin typeface="+mn-ea"/>
+                <a:ea typeface="+mn-ea"/>
+              </a:rPr>
+            </a:br>
+            <a:br>
+              <a:rPr lang="en-US" altLang="ko-KR" dirty="0">
+                <a:solidFill>
+                  <a:schemeClr val="tx1">
+                    <a:lumMod val="50000"/>
+                    <a:lumOff val="50000"/>
+                  </a:schemeClr>
+                </a:solidFill>
+                <a:latin typeface="+mn-ea"/>
+                <a:ea typeface="+mn-ea"/>
+                <a:sym typeface="Wingdings" pitchFamily="2" charset="2"/>
+              </a:rPr>
+            </a:br>
+            <a:endParaRPr lang="ko-KR" altLang="en-US" dirty="0">
+              <a:solidFill>
+                <a:schemeClr val="tx1">
+                  <a:lumMod val="50000"/>
+                  <a:lumOff val="50000"/>
+                </a:schemeClr>
+              </a:solidFill>
+              <a:latin typeface="+mn-ea"/>
+              <a:ea typeface="+mn-ea"/>
+            </a:endParaRPr>
+          </a:p>
+        </p:txBody>
+      </p:sp>
+      <p:pic>
+        <p:nvPicPr>
+          <p:cNvPr id="4" name="Content Placeholder 11" descr="Text&#10;&#10;Description automatically generated">
+            <a:extLst>
+              <a:ext uri="{FF2B5EF4-FFF2-40B4-BE49-F238E27FC236}">
+                <a16:creationId xmlns:a16="http://schemas.microsoft.com/office/drawing/2014/main" id="{BD14BC34-229D-0C8B-B149-D81E5ED13A8B}"/>
+              </a:ext>
+            </a:extLst>
+          </p:cNvPr>
+          <p:cNvPicPr>
+            <a:picLocks noChangeAspect="1"/>
+          </p:cNvPicPr>
+          <p:nvPr/>
+        </p:nvPicPr>
+        <p:blipFill>
+          <a:blip r:embed="rId3"/>
+          <a:stretch>
+            <a:fillRect/>
+          </a:stretch>
+        </p:blipFill>
+        <p:spPr>
+          <a:xfrm>
+            <a:off x="1563311" y="1311965"/>
+            <a:ext cx="6585414" cy="4351338"/>
+          </a:xfrm>
+          <a:prstGeom prst="rect">
+            <a:avLst/>
+          </a:prstGeom>
+        </p:spPr>
+      </p:pic>
+    </p:spTree>
+    <p:extLst>
+      <p:ext uri="{BB962C8B-B14F-4D97-AF65-F5344CB8AC3E}">
+        <p14:creationId xmlns:p14="http://schemas.microsoft.com/office/powerpoint/2010/main" val="2874496187"/>
+      </p:ext>
+    </p:extLst>
+  </p:cSld>
+  <p:clrMapOvr>
+    <a:masterClrMapping/>
+  </p:clrMapOvr>
+</p:sld>
+</file>
+
+<file path=ppt/slides/slide8.xml><?xml version="1.0" encoding="utf-8"?>
+<p:sld xmlns:a="http://schemas.openxmlformats.org/drawingml/2006/main" xmlns:r="http://schemas.openxmlformats.org/officeDocument/2006/relationships" xmlns:p="http://schemas.openxmlformats.org/presentationml/2006/main">
+  <p:cSld>
+    <p:spTree>
+      <p:nvGrpSpPr>
+        <p:cNvPr id="1" name=""/>
+        <p:cNvGrpSpPr/>
+        <p:nvPr/>
+      </p:nvGrpSpPr>
+      <p:grpSpPr>
+        <a:xfrm>
+          <a:off x="0" y="0"/>
+          <a:ext cx="0" cy="0"/>
+          <a:chOff x="0" y="0"/>
+          <a:chExt cx="0" cy="0"/>
+        </a:xfrm>
+      </p:grpSpPr>
+      <p:sp>
+        <p:nvSpPr>
+          <p:cNvPr id="2" name="텍스트 개체 틀 1"/>
+          <p:cNvSpPr>
+            <a:spLocks noGrp="1"/>
+          </p:cNvSpPr>
+          <p:nvPr>
+            <p:ph type="body" sz="quarter" idx="11"/>
+          </p:nvPr>
+        </p:nvSpPr>
+        <p:spPr>
+          <a:xfrm>
+            <a:off x="35496" y="140947"/>
+            <a:ext cx="7992888" cy="263717"/>
+          </a:xfrm>
+        </p:spPr>
+        <p:txBody>
+          <a:bodyPr/>
+          <a:lstStyle/>
+          <a:p>
+            <a:r>
+              <a:rPr lang="en-US" dirty="0"/>
+              <a:t>XIOS Modification for Applying SZ Compression</a:t>
+            </a:r>
+            <a:endParaRPr lang="en-US" sz="1800" b="1" dirty="0"/>
+          </a:p>
+        </p:txBody>
+      </p:sp>
+      <p:sp>
+        <p:nvSpPr>
+          <p:cNvPr id="8" name="Rectangle 7">
+            <a:extLst>
+              <a:ext uri="{FF2B5EF4-FFF2-40B4-BE49-F238E27FC236}">
+                <a16:creationId xmlns:a16="http://schemas.microsoft.com/office/drawing/2014/main" id="{4D95F5D2-454D-D645-9C23-C9E200985B11}"/>
+              </a:ext>
+            </a:extLst>
+          </p:cNvPr>
+          <p:cNvSpPr txBox="1">
+            <a:spLocks/>
+          </p:cNvSpPr>
+          <p:nvPr/>
+        </p:nvSpPr>
+        <p:spPr>
+          <a:xfrm>
+            <a:off x="433673" y="1497496"/>
+            <a:ext cx="8276654" cy="1931504"/>
+          </a:xfrm>
+          <a:ln>
+            <a:solidFill>
+              <a:schemeClr val="tx1"/>
+            </a:solidFill>
+          </a:ln>
+          <a:effectLst>
+            <a:outerShdw blurRad="40000" dist="23000" dir="5400000" rotWithShape="0">
+              <a:srgbClr val="000000">
+                <a:alpha val="79000"/>
+              </a:srgbClr>
+            </a:outerShdw>
+          </a:effectLst>
+        </p:spPr>
+        <p:style>
+          <a:lnRef idx="1">
+            <a:schemeClr val="accent1"/>
+          </a:lnRef>
+          <a:fillRef idx="3">
+            <a:schemeClr val="accent1"/>
+          </a:fillRef>
+          <a:effectRef idx="2">
+            <a:schemeClr val="accent1"/>
+          </a:effectRef>
+          <a:fontRef idx="minor">
+            <a:schemeClr val="lt1"/>
+          </a:fontRef>
+        </p:style>
+        <p:txBody>
+          <a:bodyPr wrap="square"/>
+          <a:lstStyle>
+            <a:lvl1pPr marL="342900" indent="-342900" algn="l" defTabSz="914400" rtl="0" eaLnBrk="1" latinLnBrk="1" hangingPunct="1">
+              <a:spcBef>
+                <a:spcPct val="20000"/>
+              </a:spcBef>
+              <a:buFont typeface="Arial" panose="020B0604020202020204" pitchFamily="34" charset="0"/>
+              <a:buChar char="•"/>
+              <a:defRPr sz="3200" kern="1200">
+                <a:solidFill>
+                  <a:schemeClr val="tx1"/>
+                </a:solidFill>
+                <a:latin typeface="+mn-lt"/>
+                <a:ea typeface="+mn-ea"/>
+                <a:cs typeface="+mn-cs"/>
+              </a:defRPr>
+            </a:lvl1pPr>
+            <a:lvl2pPr marL="742950" indent="-285750" algn="l" defTabSz="914400" rtl="0" eaLnBrk="1" latinLnBrk="1" hangingPunct="1">
+              <a:spcBef>
+                <a:spcPct val="20000"/>
+              </a:spcBef>
+              <a:buFont typeface="Arial" panose="020B0604020202020204" pitchFamily="34" charset="0"/>
+              <a:buChar char="–"/>
+              <a:defRPr sz="2800" kern="1200">
+                <a:solidFill>
+                  <a:schemeClr val="tx1"/>
+                </a:solidFill>
+                <a:latin typeface="+mn-lt"/>
+                <a:ea typeface="+mn-ea"/>
+                <a:cs typeface="+mn-cs"/>
+              </a:defRPr>
+            </a:lvl2pPr>
+            <a:lvl3pPr marL="1143000" indent="-228600" algn="l" defTabSz="914400" rtl="0" eaLnBrk="1" latinLnBrk="1" hangingPunct="1">
+              <a:spcBef>
+                <a:spcPct val="20000"/>
+              </a:spcBef>
+              <a:buFont typeface="Arial" panose="020B0604020202020204" pitchFamily="34" charset="0"/>
+              <a:buChar char="•"/>
+              <a:defRPr sz="2400" kern="1200">
+                <a:solidFill>
+                  <a:schemeClr val="tx1"/>
+                </a:solidFill>
+                <a:latin typeface="+mn-lt"/>
+                <a:ea typeface="+mn-ea"/>
+                <a:cs typeface="+mn-cs"/>
+              </a:defRPr>
+            </a:lvl3pPr>
+            <a:lvl4pPr marL="1600200" indent="-228600" algn="l" defTabSz="914400" rtl="0" eaLnBrk="1" latinLnBrk="1" hangingPunct="1">
+              <a:spcBef>
+                <a:spcPct val="20000"/>
+              </a:spcBef>
+              <a:buFont typeface="Arial" panose="020B0604020202020204" pitchFamily="34" charset="0"/>
+              <a:buChar char="–"/>
+              <a:defRPr sz="2000" kern="1200">
+                <a:solidFill>
+                  <a:schemeClr val="tx1"/>
+                </a:solidFill>
+                <a:latin typeface="+mn-lt"/>
+                <a:ea typeface="+mn-ea"/>
+                <a:cs typeface="+mn-cs"/>
+              </a:defRPr>
+            </a:lvl4pPr>
+            <a:lvl5pPr marL="2057400" indent="-228600" algn="l" defTabSz="914400" rtl="0" eaLnBrk="1" latinLnBrk="1" hangingPunct="1">
+              <a:spcBef>
+                <a:spcPct val="20000"/>
+              </a:spcBef>
+              <a:buFont typeface="Arial" panose="020B0604020202020204" pitchFamily="34" charset="0"/>
+              <a:buChar char="»"/>
+              <a:defRPr sz="2000" kern="1200">
+                <a:solidFill>
+                  <a:schemeClr val="tx1"/>
+                </a:solidFill>
+                <a:latin typeface="+mn-lt"/>
+                <a:ea typeface="+mn-ea"/>
+                <a:cs typeface="+mn-cs"/>
+              </a:defRPr>
+            </a:lvl5pPr>
+            <a:lvl6pPr marL="2514600" indent="-228600" algn="l" defTabSz="914400" rtl="0" eaLnBrk="1" latinLnBrk="1" hangingPunct="1">
+              <a:spcBef>
+                <a:spcPct val="20000"/>
+              </a:spcBef>
+              <a:buFont typeface="Arial" panose="020B0604020202020204" pitchFamily="34" charset="0"/>
+              <a:buChar char="•"/>
+              <a:defRPr sz="2000" kern="1200">
+                <a:solidFill>
+                  <a:schemeClr val="tx1"/>
+                </a:solidFill>
+                <a:latin typeface="+mn-lt"/>
+                <a:ea typeface="+mn-ea"/>
+                <a:cs typeface="+mn-cs"/>
+              </a:defRPr>
+            </a:lvl6pPr>
+            <a:lvl7pPr marL="2971800" indent="-228600" algn="l" defTabSz="914400" rtl="0" eaLnBrk="1" latinLnBrk="1" hangingPunct="1">
+              <a:spcBef>
+                <a:spcPct val="20000"/>
+              </a:spcBef>
+              <a:buFont typeface="Arial" panose="020B0604020202020204" pitchFamily="34" charset="0"/>
+              <a:buChar char="•"/>
+              <a:defRPr sz="2000" kern="1200">
+                <a:solidFill>
+                  <a:schemeClr val="tx1"/>
+                </a:solidFill>
+                <a:latin typeface="+mn-lt"/>
+                <a:ea typeface="+mn-ea"/>
+                <a:cs typeface="+mn-cs"/>
+              </a:defRPr>
+            </a:lvl7pPr>
+            <a:lvl8pPr marL="3429000" indent="-228600" algn="l" defTabSz="914400" rtl="0" eaLnBrk="1" latinLnBrk="1" hangingPunct="1">
+              <a:spcBef>
+                <a:spcPct val="20000"/>
+              </a:spcBef>
+              <a:buFont typeface="Arial" panose="020B0604020202020204" pitchFamily="34" charset="0"/>
+              <a:buChar char="•"/>
+              <a:defRPr sz="2000" kern="1200">
+                <a:solidFill>
+                  <a:schemeClr val="tx1"/>
+                </a:solidFill>
+                <a:latin typeface="+mn-lt"/>
+                <a:ea typeface="+mn-ea"/>
+                <a:cs typeface="+mn-cs"/>
+              </a:defRPr>
+            </a:lvl8pPr>
+            <a:lvl9pPr marL="3886200" indent="-228600" algn="l" defTabSz="914400" rtl="0" eaLnBrk="1" latinLnBrk="1" hangingPunct="1">
+              <a:spcBef>
+                <a:spcPct val="20000"/>
+              </a:spcBef>
+              <a:buFont typeface="Arial" panose="020B0604020202020204" pitchFamily="34" charset="0"/>
+              <a:buChar char="•"/>
+              <a:defRPr sz="2000" kern="1200">
+                <a:solidFill>
+                  <a:schemeClr val="tx1"/>
+                </a:solidFill>
+                <a:latin typeface="+mn-lt"/>
+                <a:ea typeface="+mn-ea"/>
+                <a:cs typeface="+mn-cs"/>
+              </a:defRPr>
+            </a:lvl9pPr>
+          </a:lstStyle>
+          <a:p>
+            <a:pPr>
+              <a:buFont typeface="Courier New" panose="02070309020205020404" pitchFamily="49" charset="0"/>
+              <a:buChar char="o"/>
+            </a:pPr>
+            <a:r>
+              <a:rPr lang="en-US" altLang="ko-KR" sz="1800" dirty="0"/>
+              <a:t>Enable SZ compression by passing true parameter when instantiate CNc4DataOutput object.</a:t>
+            </a:r>
+          </a:p>
+        </p:txBody>
+      </p:sp>
+      <p:sp>
+        <p:nvSpPr>
+          <p:cNvPr id="7" name="제목 4">
+            <a:extLst>
+              <a:ext uri="{FF2B5EF4-FFF2-40B4-BE49-F238E27FC236}">
+                <a16:creationId xmlns:a16="http://schemas.microsoft.com/office/drawing/2014/main" id="{DC29CF18-9EE2-CE4C-88B0-71122F132879}"/>
+              </a:ext>
+            </a:extLst>
+          </p:cNvPr>
+          <p:cNvSpPr txBox="1">
+            <a:spLocks/>
+          </p:cNvSpPr>
+          <p:nvPr/>
+        </p:nvSpPr>
+        <p:spPr>
+          <a:xfrm>
+            <a:off x="179512" y="745540"/>
+            <a:ext cx="8712968" cy="566425"/>
+          </a:xfrm>
+          <a:prstGeom prst="rect">
+            <a:avLst/>
+          </a:prstGeom>
+          <a:noFill/>
+        </p:spPr>
+        <p:txBody>
+          <a:bodyPr vert="horz" wrap="square" lIns="91440" tIns="45720" rIns="91440" bIns="45720" rtlCol="0" anchor="ctr">
+            <a:noAutofit/>
+          </a:bodyPr>
+          <a:lstStyle>
+            <a:lvl1pPr algn="ctr" defTabSz="914400" rtl="0" eaLnBrk="1" latinLnBrk="1" hangingPunct="1">
+              <a:spcBef>
+                <a:spcPct val="0"/>
+              </a:spcBef>
+              <a:buNone/>
+              <a:defRPr sz="1400" b="1" kern="700" spc="-20" baseline="0">
+                <a:solidFill>
+                  <a:srgbClr val="00876F"/>
+                </a:solidFill>
+                <a:effectLst/>
+                <a:latin typeface="+mj-ea"/>
+                <a:ea typeface="+mj-ea"/>
+                <a:cs typeface="+mj-cs"/>
+              </a:defRPr>
+            </a:lvl1pPr>
+          </a:lstStyle>
+          <a:p>
+            <a:pPr algn="l">
+              <a:defRPr/>
+            </a:pPr>
+            <a:r>
+              <a:rPr lang="ko-KR" altLang="en-US" sz="1800" dirty="0">
+                <a:solidFill>
+                  <a:schemeClr val="tx1">
+                    <a:lumMod val="50000"/>
+                    <a:lumOff val="50000"/>
+                  </a:schemeClr>
+                </a:solidFill>
+                <a:latin typeface="+mn-ea"/>
+                <a:ea typeface="+mn-ea"/>
+              </a:rPr>
+              <a:t>□ </a:t>
+            </a:r>
+            <a:r>
+              <a:rPr lang="en-US" altLang="ko-KR" sz="1800" dirty="0">
+                <a:solidFill>
+                  <a:schemeClr val="tx1">
+                    <a:lumMod val="50000"/>
+                    <a:lumOff val="50000"/>
+                  </a:schemeClr>
+                </a:solidFill>
+                <a:latin typeface="+mn-ea"/>
+                <a:ea typeface="+mn-ea"/>
+              </a:rPr>
+              <a:t>Modification::</a:t>
+            </a:r>
+            <a:r>
+              <a:rPr lang="en-US" altLang="ko-KR" sz="1800" dirty="0" err="1">
+                <a:solidFill>
+                  <a:schemeClr val="tx1">
+                    <a:lumMod val="50000"/>
+                    <a:lumOff val="50000"/>
+                  </a:schemeClr>
+                </a:solidFill>
+                <a:latin typeface="+mn-ea"/>
+                <a:ea typeface="+mn-ea"/>
+              </a:rPr>
+              <a:t>src</a:t>
+            </a:r>
+            <a:r>
+              <a:rPr lang="en-US" altLang="ko-KR" sz="1800" dirty="0">
+                <a:solidFill>
+                  <a:schemeClr val="tx1">
+                    <a:lumMod val="50000"/>
+                    <a:lumOff val="50000"/>
+                  </a:schemeClr>
+                </a:solidFill>
+                <a:latin typeface="+mn-ea"/>
+                <a:ea typeface="+mn-ea"/>
+              </a:rPr>
+              <a:t>/node/</a:t>
+            </a:r>
+            <a:r>
+              <a:rPr lang="en-US" altLang="ko-KR" sz="1800" dirty="0" err="1">
+                <a:solidFill>
+                  <a:schemeClr val="tx1">
+                    <a:lumMod val="50000"/>
+                    <a:lumOff val="50000"/>
+                  </a:schemeClr>
+                </a:solidFill>
+                <a:latin typeface="+mn-ea"/>
+                <a:ea typeface="+mn-ea"/>
+              </a:rPr>
+              <a:t>file.cpp</a:t>
+            </a:r>
+            <a:br>
+              <a:rPr lang="en-US" altLang="ko-KR" dirty="0">
+                <a:solidFill>
+                  <a:schemeClr val="tx1">
+                    <a:lumMod val="50000"/>
+                    <a:lumOff val="50000"/>
+                  </a:schemeClr>
+                </a:solidFill>
+                <a:latin typeface="+mn-ea"/>
+                <a:ea typeface="+mn-ea"/>
+              </a:rPr>
+            </a:br>
+            <a:br>
+              <a:rPr lang="en-US" altLang="ko-KR" dirty="0">
+                <a:solidFill>
+                  <a:schemeClr val="tx1">
+                    <a:lumMod val="50000"/>
+                    <a:lumOff val="50000"/>
+                  </a:schemeClr>
+                </a:solidFill>
+                <a:latin typeface="+mn-ea"/>
+                <a:ea typeface="+mn-ea"/>
+                <a:sym typeface="Wingdings" pitchFamily="2" charset="2"/>
+              </a:rPr>
+            </a:br>
+            <a:endParaRPr lang="ko-KR" altLang="en-US" dirty="0">
+              <a:solidFill>
+                <a:schemeClr val="tx1">
+                  <a:lumMod val="50000"/>
+                  <a:lumOff val="50000"/>
+                </a:schemeClr>
+              </a:solidFill>
+              <a:latin typeface="+mn-ea"/>
+              <a:ea typeface="+mn-ea"/>
+            </a:endParaRPr>
+          </a:p>
+        </p:txBody>
+      </p:sp>
+      <p:pic>
+        <p:nvPicPr>
+          <p:cNvPr id="5" name="Picture 4" descr="Text&#10;&#10;Description automatically generated">
+            <a:extLst>
+              <a:ext uri="{FF2B5EF4-FFF2-40B4-BE49-F238E27FC236}">
+                <a16:creationId xmlns:a16="http://schemas.microsoft.com/office/drawing/2014/main" id="{CD1ED3D9-AA2E-80BB-0970-34C07427968C}"/>
+              </a:ext>
+            </a:extLst>
+          </p:cNvPr>
+          <p:cNvPicPr>
+            <a:picLocks noChangeAspect="1"/>
+          </p:cNvPicPr>
+          <p:nvPr/>
+        </p:nvPicPr>
+        <p:blipFill>
+          <a:blip r:embed="rId3">
+            <a:extLst>
+              <a:ext uri="{28A0092B-C50C-407E-A947-70E740481C1C}">
+                <a14:useLocalDpi xmlns:a14="http://schemas.microsoft.com/office/drawing/2010/main" val="0"/>
+              </a:ext>
+            </a:extLst>
+          </a:blip>
+          <a:stretch>
+            <a:fillRect/>
+          </a:stretch>
+        </p:blipFill>
+        <p:spPr>
+          <a:xfrm>
+            <a:off x="717550" y="2990850"/>
+            <a:ext cx="7023100" cy="876300"/>
+          </a:xfrm>
+          <a:prstGeom prst="rect">
+            <a:avLst/>
+          </a:prstGeom>
+        </p:spPr>
+      </p:pic>
+    </p:spTree>
+    <p:extLst>
+      <p:ext uri="{BB962C8B-B14F-4D97-AF65-F5344CB8AC3E}">
+        <p14:creationId xmlns:p14="http://schemas.microsoft.com/office/powerpoint/2010/main" val="704856255"/>
+      </p:ext>
+    </p:extLst>
+  </p:cSld>
+  <p:clrMapOvr>
+    <a:masterClrMapping/>
+  </p:clrMapOvr>
+</p:sld>
+</file>
+
 <file path=ppt/slides/slide9.xml><?xml version="1.0" encoding="utf-8"?>
 <p:sld xmlns:a="http://schemas.openxmlformats.org/drawingml/2006/main" xmlns:r="http://schemas.openxmlformats.org/officeDocument/2006/relationships" xmlns:p="http://schemas.openxmlformats.org/presentationml/2006/main">
   <p:cSld>
@@ -7722,6 +5955,223 @@
       </p:sp>
       <p:sp>
         <p:nvSpPr>
+          <p:cNvPr id="8" name="Rectangle 7">
+            <a:extLst>
+              <a:ext uri="{FF2B5EF4-FFF2-40B4-BE49-F238E27FC236}">
+                <a16:creationId xmlns:a16="http://schemas.microsoft.com/office/drawing/2014/main" id="{4D95F5D2-454D-D645-9C23-C9E200985B11}"/>
+              </a:ext>
+            </a:extLst>
+          </p:cNvPr>
+          <p:cNvSpPr txBox="1">
+            <a:spLocks/>
+          </p:cNvSpPr>
+          <p:nvPr/>
+        </p:nvSpPr>
+        <p:spPr>
+          <a:xfrm>
+            <a:off x="433673" y="1497496"/>
+            <a:ext cx="3698380" cy="2996866"/>
+          </a:xfrm>
+          <a:ln>
+            <a:solidFill>
+              <a:schemeClr val="tx1"/>
+            </a:solidFill>
+          </a:ln>
+          <a:effectLst>
+            <a:outerShdw blurRad="40000" dist="23000" dir="5400000" rotWithShape="0">
+              <a:srgbClr val="000000">
+                <a:alpha val="79000"/>
+              </a:srgbClr>
+            </a:outerShdw>
+          </a:effectLst>
+        </p:spPr>
+        <p:style>
+          <a:lnRef idx="1">
+            <a:schemeClr val="accent1"/>
+          </a:lnRef>
+          <a:fillRef idx="3">
+            <a:schemeClr val="accent1"/>
+          </a:fillRef>
+          <a:effectRef idx="2">
+            <a:schemeClr val="accent1"/>
+          </a:effectRef>
+          <a:fontRef idx="minor">
+            <a:schemeClr val="lt1"/>
+          </a:fontRef>
+        </p:style>
+        <p:txBody>
+          <a:bodyPr wrap="square"/>
+          <a:lstStyle>
+            <a:lvl1pPr marL="342900" indent="-342900" algn="l" defTabSz="914400" rtl="0" eaLnBrk="1" latinLnBrk="1" hangingPunct="1">
+              <a:spcBef>
+                <a:spcPct val="20000"/>
+              </a:spcBef>
+              <a:buFont typeface="Arial" panose="020B0604020202020204" pitchFamily="34" charset="0"/>
+              <a:buChar char="•"/>
+              <a:defRPr sz="3200" kern="1200">
+                <a:solidFill>
+                  <a:schemeClr val="tx1"/>
+                </a:solidFill>
+                <a:latin typeface="+mn-lt"/>
+                <a:ea typeface="+mn-ea"/>
+                <a:cs typeface="+mn-cs"/>
+              </a:defRPr>
+            </a:lvl1pPr>
+            <a:lvl2pPr marL="742950" indent="-285750" algn="l" defTabSz="914400" rtl="0" eaLnBrk="1" latinLnBrk="1" hangingPunct="1">
+              <a:spcBef>
+                <a:spcPct val="20000"/>
+              </a:spcBef>
+              <a:buFont typeface="Arial" panose="020B0604020202020204" pitchFamily="34" charset="0"/>
+              <a:buChar char="–"/>
+              <a:defRPr sz="2800" kern="1200">
+                <a:solidFill>
+                  <a:schemeClr val="tx1"/>
+                </a:solidFill>
+                <a:latin typeface="+mn-lt"/>
+                <a:ea typeface="+mn-ea"/>
+                <a:cs typeface="+mn-cs"/>
+              </a:defRPr>
+            </a:lvl2pPr>
+            <a:lvl3pPr marL="1143000" indent="-228600" algn="l" defTabSz="914400" rtl="0" eaLnBrk="1" latinLnBrk="1" hangingPunct="1">
+              <a:spcBef>
+                <a:spcPct val="20000"/>
+              </a:spcBef>
+              <a:buFont typeface="Arial" panose="020B0604020202020204" pitchFamily="34" charset="0"/>
+              <a:buChar char="•"/>
+              <a:defRPr sz="2400" kern="1200">
+                <a:solidFill>
+                  <a:schemeClr val="tx1"/>
+                </a:solidFill>
+                <a:latin typeface="+mn-lt"/>
+                <a:ea typeface="+mn-ea"/>
+                <a:cs typeface="+mn-cs"/>
+              </a:defRPr>
+            </a:lvl3pPr>
+            <a:lvl4pPr marL="1600200" indent="-228600" algn="l" defTabSz="914400" rtl="0" eaLnBrk="1" latinLnBrk="1" hangingPunct="1">
+              <a:spcBef>
+                <a:spcPct val="20000"/>
+              </a:spcBef>
+              <a:buFont typeface="Arial" panose="020B0604020202020204" pitchFamily="34" charset="0"/>
+              <a:buChar char="–"/>
+              <a:defRPr sz="2000" kern="1200">
+                <a:solidFill>
+                  <a:schemeClr val="tx1"/>
+                </a:solidFill>
+                <a:latin typeface="+mn-lt"/>
+                <a:ea typeface="+mn-ea"/>
+                <a:cs typeface="+mn-cs"/>
+              </a:defRPr>
+            </a:lvl4pPr>
+            <a:lvl5pPr marL="2057400" indent="-228600" algn="l" defTabSz="914400" rtl="0" eaLnBrk="1" latinLnBrk="1" hangingPunct="1">
+              <a:spcBef>
+                <a:spcPct val="20000"/>
+              </a:spcBef>
+              <a:buFont typeface="Arial" panose="020B0604020202020204" pitchFamily="34" charset="0"/>
+              <a:buChar char="»"/>
+              <a:defRPr sz="2000" kern="1200">
+                <a:solidFill>
+                  <a:schemeClr val="tx1"/>
+                </a:solidFill>
+                <a:latin typeface="+mn-lt"/>
+                <a:ea typeface="+mn-ea"/>
+                <a:cs typeface="+mn-cs"/>
+              </a:defRPr>
+            </a:lvl5pPr>
+            <a:lvl6pPr marL="2514600" indent="-228600" algn="l" defTabSz="914400" rtl="0" eaLnBrk="1" latinLnBrk="1" hangingPunct="1">
+              <a:spcBef>
+                <a:spcPct val="20000"/>
+              </a:spcBef>
+              <a:buFont typeface="Arial" panose="020B0604020202020204" pitchFamily="34" charset="0"/>
+              <a:buChar char="•"/>
+              <a:defRPr sz="2000" kern="1200">
+                <a:solidFill>
+                  <a:schemeClr val="tx1"/>
+                </a:solidFill>
+                <a:latin typeface="+mn-lt"/>
+                <a:ea typeface="+mn-ea"/>
+                <a:cs typeface="+mn-cs"/>
+              </a:defRPr>
+            </a:lvl6pPr>
+            <a:lvl7pPr marL="2971800" indent="-228600" algn="l" defTabSz="914400" rtl="0" eaLnBrk="1" latinLnBrk="1" hangingPunct="1">
+              <a:spcBef>
+                <a:spcPct val="20000"/>
+              </a:spcBef>
+              <a:buFont typeface="Arial" panose="020B0604020202020204" pitchFamily="34" charset="0"/>
+              <a:buChar char="•"/>
+              <a:defRPr sz="2000" kern="1200">
+                <a:solidFill>
+                  <a:schemeClr val="tx1"/>
+                </a:solidFill>
+                <a:latin typeface="+mn-lt"/>
+                <a:ea typeface="+mn-ea"/>
+                <a:cs typeface="+mn-cs"/>
+              </a:defRPr>
+            </a:lvl7pPr>
+            <a:lvl8pPr marL="3429000" indent="-228600" algn="l" defTabSz="914400" rtl="0" eaLnBrk="1" latinLnBrk="1" hangingPunct="1">
+              <a:spcBef>
+                <a:spcPct val="20000"/>
+              </a:spcBef>
+              <a:buFont typeface="Arial" panose="020B0604020202020204" pitchFamily="34" charset="0"/>
+              <a:buChar char="•"/>
+              <a:defRPr sz="2000" kern="1200">
+                <a:solidFill>
+                  <a:schemeClr val="tx1"/>
+                </a:solidFill>
+                <a:latin typeface="+mn-lt"/>
+                <a:ea typeface="+mn-ea"/>
+                <a:cs typeface="+mn-cs"/>
+              </a:defRPr>
+            </a:lvl8pPr>
+            <a:lvl9pPr marL="3886200" indent="-228600" algn="l" defTabSz="914400" rtl="0" eaLnBrk="1" latinLnBrk="1" hangingPunct="1">
+              <a:spcBef>
+                <a:spcPct val="20000"/>
+              </a:spcBef>
+              <a:buFont typeface="Arial" panose="020B0604020202020204" pitchFamily="34" charset="0"/>
+              <a:buChar char="•"/>
+              <a:defRPr sz="2000" kern="1200">
+                <a:solidFill>
+                  <a:schemeClr val="tx1"/>
+                </a:solidFill>
+                <a:latin typeface="+mn-lt"/>
+                <a:ea typeface="+mn-ea"/>
+                <a:cs typeface="+mn-cs"/>
+              </a:defRPr>
+            </a:lvl9pPr>
+          </a:lstStyle>
+          <a:p>
+            <a:pPr>
+              <a:buFont typeface="Courier New" panose="02070309020205020404" pitchFamily="49" charset="0"/>
+              <a:buChar char="o"/>
+            </a:pPr>
+            <a:r>
+              <a:rPr lang="en-US" altLang="ko-KR" sz="1800" dirty="0"/>
+              <a:t>The issue related to indefinite running has been solved.</a:t>
+            </a:r>
+          </a:p>
+          <a:p>
+            <a:pPr>
+              <a:buFont typeface="Courier New" panose="02070309020205020404" pitchFamily="49" charset="0"/>
+              <a:buChar char="o"/>
+            </a:pPr>
+            <a:r>
+              <a:rPr lang="en-US" altLang="ko-KR" sz="1800" dirty="0"/>
+              <a:t>The SZ compress process in previous modification never called</a:t>
+            </a:r>
+          </a:p>
+          <a:p>
+            <a:pPr>
+              <a:buFont typeface="Courier New" panose="02070309020205020404" pitchFamily="49" charset="0"/>
+              <a:buChar char="o"/>
+            </a:pPr>
+            <a:r>
+              <a:rPr lang="en-US" altLang="ko-KR" sz="1800" dirty="0"/>
+              <a:t>The log of result only trace initialization and finalization of SZ</a:t>
+            </a:r>
+          </a:p>
+        </p:txBody>
+      </p:sp>
+      <p:sp>
+        <p:nvSpPr>
           <p:cNvPr id="7" name="제목 4">
             <a:extLst>
               <a:ext uri="{FF2B5EF4-FFF2-40B4-BE49-F238E27FC236}">
@@ -7793,7 +6243,7 @@
                 <a:latin typeface="+mn-ea"/>
                 <a:ea typeface="+mn-ea"/>
               </a:rPr>
-              <a:t>Modification</a:t>
+              <a:t>Conclusion &amp; Result Log</a:t>
             </a:r>
             <a:br>
               <a:rPr lang="en-US" altLang="ko-KR" dirty="0">
@@ -7835,10 +6285,10 @@
       </p:sp>
       <p:pic>
         <p:nvPicPr>
-          <p:cNvPr id="4" name="Content Placeholder 11" descr="Text&#10;&#10;Description automatically generated">
+          <p:cNvPr id="4" name="Picture 3" descr="Text&#10;&#10;Description automatically generated with medium confidence">
             <a:extLst>
               <a:ext uri="{FF2B5EF4-FFF2-40B4-BE49-F238E27FC236}">
-                <a16:creationId xmlns:a16="http://schemas.microsoft.com/office/drawing/2014/main" id="{BD14BC34-229D-0C8B-B149-D81E5ED13A8B}"/>
+                <a16:creationId xmlns:a16="http://schemas.microsoft.com/office/drawing/2014/main" id="{3E0C0BFD-BE84-6627-A344-7BA3CB3EDA8D}"/>
               </a:ext>
             </a:extLst>
           </p:cNvPr>
@@ -7848,15 +6298,21 @@
           <p:nvPr/>
         </p:nvPicPr>
         <p:blipFill>
-          <a:blip r:embed="rId3"/>
+          <a:blip r:embed="rId3">
+            <a:extLst>
+              <a:ext uri="{28A0092B-C50C-407E-A947-70E740481C1C}">
+                <a14:useLocalDpi xmlns:a14="http://schemas.microsoft.com/office/drawing/2010/main" val="0"/>
+              </a:ext>
+            </a:extLst>
+          </a:blip>
           <a:stretch>
             <a:fillRect/>
           </a:stretch>
         </p:blipFill>
         <p:spPr>
           <a:xfrm>
-            <a:off x="1563311" y="1311965"/>
-            <a:ext cx="6585414" cy="4351338"/>
+            <a:off x="4313999" y="845389"/>
+            <a:ext cx="4674870" cy="5623560"/>
           </a:xfrm>
           <a:prstGeom prst="rect">
             <a:avLst/>
@@ -7866,7 +6322,7 @@
     </p:spTree>
     <p:extLst>
       <p:ext uri="{BB962C8B-B14F-4D97-AF65-F5344CB8AC3E}">
-        <p14:creationId xmlns:p14="http://schemas.microsoft.com/office/powerpoint/2010/main" val="2874496187"/>
+        <p14:creationId xmlns:p14="http://schemas.microsoft.com/office/powerpoint/2010/main" val="745017136"/>
       </p:ext>
     </p:extLst>
   </p:cSld>
